--- a/python-for-beginners/Slides/7 - ErrorHandling.pptx
+++ b/python-for-beginners/Slides/7 - ErrorHandling.pptx
@@ -2835,8 +2835,16 @@
         <a:lstStyle/>
         <a:p>
           <a:r>
+            <a:rPr lang="en-US" baseline="0" dirty="0" err="1"/>
+            <a:t>Manipulação</a:t>
+          </a:r>
+          <a:r>
             <a:rPr lang="en-US" baseline="0" dirty="0"/>
-            <a:t>Error handling</a:t>
+            <a:t> de </a:t>
+          </a:r>
+          <a:r>
+            <a:rPr lang="en-US" baseline="0" dirty="0" err="1"/>
+            <a:t>Erros</a:t>
           </a:r>
           <a:endParaRPr lang="en-US" dirty="0"/>
         </a:p>
@@ -2872,10 +2880,14 @@
         <a:lstStyle/>
         <a:p>
           <a:r>
-            <a:rPr lang="en-US" baseline="0"/>
-            <a:t>Debugging</a:t>
+            <a:rPr lang="en-US" baseline="0" dirty="0" err="1"/>
+            <a:t>Depuração</a:t>
           </a:r>
-          <a:endParaRPr lang="en-US"/>
+          <a:r>
+            <a:rPr lang="en-US" baseline="0" dirty="0"/>
+            <a:t> (Debugging)</a:t>
+          </a:r>
+          <a:endParaRPr lang="en-US" dirty="0"/>
         </a:p>
       </dgm:t>
     </dgm:pt>
@@ -3063,10 +3075,18 @@
         <a:lstStyle/>
         <a:p>
           <a:r>
-            <a:rPr lang="en-US" baseline="0"/>
-            <a:t>Syntax errors</a:t>
+            <a:rPr lang="en-US" baseline="0" dirty="0" err="1"/>
+            <a:t>Erros</a:t>
           </a:r>
-          <a:endParaRPr lang="en-US"/>
+          <a:r>
+            <a:rPr lang="en-US" baseline="0" dirty="0"/>
+            <a:t> de </a:t>
+          </a:r>
+          <a:r>
+            <a:rPr lang="en-US" baseline="0" dirty="0" err="1"/>
+            <a:t>sintaxe</a:t>
+          </a:r>
+          <a:endParaRPr lang="en-US" dirty="0"/>
         </a:p>
       </dgm:t>
     </dgm:pt>
@@ -3100,10 +3120,10 @@
         <a:lstStyle/>
         <a:p>
           <a:r>
-            <a:rPr lang="en-US" baseline="0"/>
-            <a:t>Runtime errors</a:t>
+            <a:rPr lang="pt-BR" baseline="0" dirty="0"/>
+            <a:t>Erros de execução</a:t>
           </a:r>
-          <a:endParaRPr lang="en-US"/>
+          <a:endParaRPr lang="en-US" dirty="0"/>
         </a:p>
       </dgm:t>
     </dgm:pt>
@@ -3137,10 +3157,18 @@
         <a:lstStyle/>
         <a:p>
           <a:r>
-            <a:rPr lang="en-US" baseline="0"/>
-            <a:t>Logic errors</a:t>
+            <a:rPr lang="en-US" baseline="0" dirty="0" err="1"/>
+            <a:t>Erros</a:t>
           </a:r>
-          <a:endParaRPr lang="en-US"/>
+          <a:r>
+            <a:rPr lang="en-US" baseline="0" dirty="0"/>
+            <a:t> de </a:t>
+          </a:r>
+          <a:r>
+            <a:rPr lang="en-US" baseline="0" dirty="0" err="1"/>
+            <a:t>lógica</a:t>
+          </a:r>
+          <a:endParaRPr lang="en-US" dirty="0"/>
         </a:p>
       </dgm:t>
     </dgm:pt>
@@ -3391,7 +3419,7 @@
         <a:lstStyle/>
         <a:p>
           <a:r>
-            <a:rPr lang="en-US"/>
+            <a:rPr lang="en-US" dirty="0"/>
             <a:t>Stack trace</a:t>
           </a:r>
         </a:p>
@@ -3427,9 +3455,10 @@
         <a:lstStyle/>
         <a:p>
           <a:r>
-            <a:rPr lang="en-US"/>
-            <a:t>Last calls are on the top</a:t>
+            <a:rPr lang="pt-BR"/>
+            <a:t>As últimas chamadas estão no topo</a:t>
           </a:r>
+          <a:endParaRPr lang="en-US" dirty="0"/>
         </a:p>
       </dgm:t>
     </dgm:pt>
@@ -3455,78 +3484,6 @@
         </a:p>
       </dgm:t>
     </dgm:pt>
-    <dgm:pt modelId="{D048EC1C-E4FA-4FBF-8C7D-CCBC4AD260EB}">
-      <dgm:prSet/>
-      <dgm:spPr/>
-      <dgm:t>
-        <a:bodyPr/>
-        <a:lstStyle/>
-        <a:p>
-          <a:r>
-            <a:rPr lang="en-US"/>
-            <a:t>Your code is likely on the bottom</a:t>
-          </a:r>
-        </a:p>
-      </dgm:t>
-    </dgm:pt>
-    <dgm:pt modelId="{6AF05E14-4284-479E-B276-66BC975238BD}" type="parTrans" cxnId="{B75D79A3-8E2F-44B2-AF3B-C3546DE061D9}">
-      <dgm:prSet/>
-      <dgm:spPr/>
-      <dgm:t>
-        <a:bodyPr/>
-        <a:lstStyle/>
-        <a:p>
-          <a:endParaRPr lang="en-US"/>
-        </a:p>
-      </dgm:t>
-    </dgm:pt>
-    <dgm:pt modelId="{94FEB558-2C05-4FE4-B4CC-5AD225FA2578}" type="sibTrans" cxnId="{B75D79A3-8E2F-44B2-AF3B-C3546DE061D9}">
-      <dgm:prSet/>
-      <dgm:spPr/>
-      <dgm:t>
-        <a:bodyPr/>
-        <a:lstStyle/>
-        <a:p>
-          <a:endParaRPr lang="en-US"/>
-        </a:p>
-      </dgm:t>
-    </dgm:pt>
-    <dgm:pt modelId="{EECDCAFC-BF34-45C0-B2D1-864D8F1D4729}">
-      <dgm:prSet/>
-      <dgm:spPr/>
-      <dgm:t>
-        <a:bodyPr/>
-        <a:lstStyle/>
-        <a:p>
-          <a:r>
-            <a:rPr lang="en-US"/>
-            <a:t>Seek out line numbers</a:t>
-          </a:r>
-        </a:p>
-      </dgm:t>
-    </dgm:pt>
-    <dgm:pt modelId="{26237D95-1EB3-4DB6-A4EB-E507B9919E87}" type="parTrans" cxnId="{4F09F9F7-0168-4C31-94C5-126038ED94D6}">
-      <dgm:prSet/>
-      <dgm:spPr/>
-      <dgm:t>
-        <a:bodyPr/>
-        <a:lstStyle/>
-        <a:p>
-          <a:endParaRPr lang="en-US"/>
-        </a:p>
-      </dgm:t>
-    </dgm:pt>
-    <dgm:pt modelId="{C1783479-7498-4CFB-BCDF-B494A7E6D957}" type="sibTrans" cxnId="{4F09F9F7-0168-4C31-94C5-126038ED94D6}">
-      <dgm:prSet/>
-      <dgm:spPr/>
-      <dgm:t>
-        <a:bodyPr/>
-        <a:lstStyle/>
-        <a:p>
-          <a:endParaRPr lang="en-US"/>
-        </a:p>
-      </dgm:t>
-    </dgm:pt>
     <dgm:pt modelId="{01073A64-0340-431D-96BA-AC140B8FB13D}">
       <dgm:prSet/>
       <dgm:spPr/>
@@ -3535,9 +3492,26 @@
         <a:lstStyle/>
         <a:p>
           <a:r>
-            <a:rPr lang="en-US"/>
-            <a:t>Finding your mistake</a:t>
+            <a:rPr lang="en-US" dirty="0" err="1"/>
+            <a:t>Encontrando</a:t>
           </a:r>
+          <a:r>
+            <a:rPr lang="en-US" dirty="0"/>
+            <a:t> </a:t>
+          </a:r>
+          <a:r>
+            <a:rPr lang="en-US" dirty="0" err="1"/>
+            <a:t>seu</a:t>
+          </a:r>
+          <a:r>
+            <a:rPr lang="en-US" dirty="0"/>
+            <a:t> </a:t>
+          </a:r>
+          <a:r>
+            <a:rPr lang="en-US" dirty="0" err="1"/>
+            <a:t>erro</a:t>
+          </a:r>
+          <a:endParaRPr lang="en-US" dirty="0"/>
         </a:p>
       </dgm:t>
     </dgm:pt>
@@ -3571,9 +3545,10 @@
         <a:lstStyle/>
         <a:p>
           <a:r>
-            <a:rPr lang="en-US" dirty="0"/>
-            <a:t>Reread your code</a:t>
+            <a:rPr lang="en-US"/>
+            <a:t>Releia seu código</a:t>
           </a:r>
+          <a:endParaRPr lang="en-US" dirty="0"/>
         </a:p>
       </dgm:t>
     </dgm:pt>
@@ -3599,7 +3574,7 @@
         </a:p>
       </dgm:t>
     </dgm:pt>
-    <dgm:pt modelId="{935AA674-75C6-4BCF-B57B-BD72EA7D308A}">
+    <dgm:pt modelId="{F4FC03B2-19AB-41C9-814E-5EDD38F4D927}">
       <dgm:prSet/>
       <dgm:spPr/>
       <dgm:t>
@@ -3607,13 +3582,14 @@
         <a:lstStyle/>
         <a:p>
           <a:r>
-            <a:rPr lang="en-US" dirty="0"/>
-            <a:t>Check the documentation</a:t>
+            <a:rPr lang="pt-BR" dirty="0"/>
+            <a:t>Seu código provavelmente está na parte inferior</a:t>
           </a:r>
+          <a:endParaRPr lang="en-US" dirty="0"/>
         </a:p>
       </dgm:t>
     </dgm:pt>
-    <dgm:pt modelId="{16354FB3-2EA2-4DC1-A9D9-13392518A72C}" type="parTrans" cxnId="{439711DE-D5F5-42B6-AEFC-343D7137CC99}">
+    <dgm:pt modelId="{7B98977B-E018-4900-B2DB-8D14B0968069}" type="parTrans" cxnId="{9B1258C1-E819-40CD-9447-028D4A5B4A29}">
       <dgm:prSet/>
       <dgm:spPr/>
       <dgm:t>
@@ -3624,7 +3600,7 @@
         </a:p>
       </dgm:t>
     </dgm:pt>
-    <dgm:pt modelId="{64804AEC-8A2B-4011-8F5D-F64EC21D88AA}" type="sibTrans" cxnId="{439711DE-D5F5-42B6-AEFC-343D7137CC99}">
+    <dgm:pt modelId="{2D0767C9-AFE9-425E-8042-B1AD1B940173}" type="sibTrans" cxnId="{9B1258C1-E819-40CD-9447-028D4A5B4A29}">
       <dgm:prSet/>
       <dgm:spPr/>
       <dgm:t>
@@ -3635,7 +3611,7 @@
         </a:p>
       </dgm:t>
     </dgm:pt>
-    <dgm:pt modelId="{CFD92EEF-DAE3-4C2A-BB88-D74F53C71AE2}">
+    <dgm:pt modelId="{064D3C28-504E-49EA-8138-B1C7AFCEE8C9}">
       <dgm:prSet/>
       <dgm:spPr/>
       <dgm:t>
@@ -3644,12 +3620,12 @@
         <a:p>
           <a:r>
             <a:rPr lang="en-US" dirty="0"/>
-            <a:t>Take a break</a:t>
+            <a:t>Procurar números de linha</a:t>
           </a:r>
         </a:p>
       </dgm:t>
     </dgm:pt>
-    <dgm:pt modelId="{F4AEE5A2-7CBA-4457-8DBB-DCAC77B81FF4}" type="parTrans" cxnId="{9E6EA68B-B475-4B0E-8B61-0445F12F871E}">
+    <dgm:pt modelId="{9CEA99DB-7C99-49A5-936C-EB79EEE9BE78}" type="parTrans" cxnId="{29BB1EAF-799E-4C23-8876-97B225CAF911}">
       <dgm:prSet/>
       <dgm:spPr/>
       <dgm:t>
@@ -3660,7 +3636,7 @@
         </a:p>
       </dgm:t>
     </dgm:pt>
-    <dgm:pt modelId="{F90C3444-3AF5-48DF-824B-6F4EAC23F056}" type="sibTrans" cxnId="{9E6EA68B-B475-4B0E-8B61-0445F12F871E}">
+    <dgm:pt modelId="{A28A78D3-5F05-4691-900D-1E5CAB8330BF}" type="sibTrans" cxnId="{29BB1EAF-799E-4C23-8876-97B225CAF911}">
       <dgm:prSet/>
       <dgm:spPr/>
       <dgm:t>
@@ -3671,7 +3647,7 @@
         </a:p>
       </dgm:t>
     </dgm:pt>
-    <dgm:pt modelId="{354D90AF-20B1-47AA-91CE-E36A19584AFA}">
+    <dgm:pt modelId="{67C46B4B-F28F-4E2C-AC58-30E76B160517}">
       <dgm:prSet/>
       <dgm:spPr/>
       <dgm:t>
@@ -3680,12 +3656,12 @@
         <a:p>
           <a:r>
             <a:rPr lang="en-US" dirty="0"/>
-            <a:t>Ask someone for help</a:t>
+            <a:t>Verifique a documentação</a:t>
           </a:r>
         </a:p>
       </dgm:t>
     </dgm:pt>
-    <dgm:pt modelId="{2FAB2B71-E84D-45F8-B55C-0D3C8C50507C}" type="parTrans" cxnId="{B60B40DE-C982-4265-85F4-BC9977005133}">
+    <dgm:pt modelId="{ACDCBDF0-7013-403E-9ABC-A318B3028193}" type="parTrans" cxnId="{314A0853-07FE-4AA9-8755-7F942BCCB77A}">
       <dgm:prSet/>
       <dgm:spPr/>
       <dgm:t>
@@ -3696,7 +3672,7 @@
         </a:p>
       </dgm:t>
     </dgm:pt>
-    <dgm:pt modelId="{CA695CB3-EE8E-488E-B935-41901AA50449}" type="sibTrans" cxnId="{B60B40DE-C982-4265-85F4-BC9977005133}">
+    <dgm:pt modelId="{F7A7FD3D-F285-4F2A-B6A7-3B05473B6F0C}" type="sibTrans" cxnId="{314A0853-07FE-4AA9-8755-7F942BCCB77A}">
       <dgm:prSet/>
       <dgm:spPr/>
       <dgm:t>
@@ -3707,7 +3683,7 @@
         </a:p>
       </dgm:t>
     </dgm:pt>
-    <dgm:pt modelId="{A38F3D70-0E59-4DC8-9B29-E32B0A65390E}">
+    <dgm:pt modelId="{8C4F5D48-EC5E-4966-ACD4-B2509DCDDCBC}">
       <dgm:prSet/>
       <dgm:spPr/>
       <dgm:t>
@@ -3716,12 +3692,12 @@
         <a:p>
           <a:r>
             <a:rPr lang="en-US" dirty="0"/>
-            <a:t>Search the internet</a:t>
+            <a:t>Procure na internet</a:t>
           </a:r>
         </a:p>
       </dgm:t>
     </dgm:pt>
-    <dgm:pt modelId="{4545DCD6-3233-4BC2-84F0-E6D764F9BE75}" type="parTrans" cxnId="{552414E4-37FE-4134-8CBA-6FE27B6C6E61}">
+    <dgm:pt modelId="{3D63FD02-02D6-4B41-8B30-7BBC9A56E67F}" type="parTrans" cxnId="{254A7104-AA0C-4761-A63A-6E579CF169AE}">
       <dgm:prSet/>
       <dgm:spPr/>
       <dgm:t>
@@ -3732,7 +3708,79 @@
         </a:p>
       </dgm:t>
     </dgm:pt>
-    <dgm:pt modelId="{0AEC0277-35F0-44FE-B87C-4BCE16DA682A}" type="sibTrans" cxnId="{552414E4-37FE-4134-8CBA-6FE27B6C6E61}">
+    <dgm:pt modelId="{AF2CF241-89C9-44ED-A052-032E89F9F479}" type="sibTrans" cxnId="{254A7104-AA0C-4761-A63A-6E579CF169AE}">
+      <dgm:prSet/>
+      <dgm:spPr/>
+      <dgm:t>
+        <a:bodyPr/>
+        <a:lstStyle/>
+        <a:p>
+          <a:endParaRPr lang="en-US"/>
+        </a:p>
+      </dgm:t>
+    </dgm:pt>
+    <dgm:pt modelId="{57A11040-5F0E-45B4-AA15-46D1CF7F1460}">
+      <dgm:prSet/>
+      <dgm:spPr/>
+      <dgm:t>
+        <a:bodyPr/>
+        <a:lstStyle/>
+        <a:p>
+          <a:r>
+            <a:rPr lang="en-US" dirty="0"/>
+            <a:t>Dar um tempo</a:t>
+          </a:r>
+        </a:p>
+      </dgm:t>
+    </dgm:pt>
+    <dgm:pt modelId="{443CE00B-7CEE-44AF-8FC4-504E87437247}" type="parTrans" cxnId="{4CBCB8AA-DAB1-4E44-BD46-99E3A7C02008}">
+      <dgm:prSet/>
+      <dgm:spPr/>
+      <dgm:t>
+        <a:bodyPr/>
+        <a:lstStyle/>
+        <a:p>
+          <a:endParaRPr lang="en-US"/>
+        </a:p>
+      </dgm:t>
+    </dgm:pt>
+    <dgm:pt modelId="{10D28BE0-A11E-48F3-909D-70A675D54288}" type="sibTrans" cxnId="{4CBCB8AA-DAB1-4E44-BD46-99E3A7C02008}">
+      <dgm:prSet/>
+      <dgm:spPr/>
+      <dgm:t>
+        <a:bodyPr/>
+        <a:lstStyle/>
+        <a:p>
+          <a:endParaRPr lang="en-US"/>
+        </a:p>
+      </dgm:t>
+    </dgm:pt>
+    <dgm:pt modelId="{6306B55B-97A2-4E1B-9AA8-665E4B75A33F}">
+      <dgm:prSet/>
+      <dgm:spPr/>
+      <dgm:t>
+        <a:bodyPr/>
+        <a:lstStyle/>
+        <a:p>
+          <a:r>
+            <a:rPr lang="en-US" dirty="0"/>
+            <a:t>Peça ajuda a alguém</a:t>
+          </a:r>
+        </a:p>
+      </dgm:t>
+    </dgm:pt>
+    <dgm:pt modelId="{AB0DE6D6-B180-48FE-B3BB-B33EAE6D2887}" type="parTrans" cxnId="{714FE8FD-8349-4E04-832E-A38210D08753}">
+      <dgm:prSet/>
+      <dgm:spPr/>
+      <dgm:t>
+        <a:bodyPr/>
+        <a:lstStyle/>
+        <a:p>
+          <a:endParaRPr lang="en-US"/>
+        </a:p>
+      </dgm:t>
+    </dgm:pt>
+    <dgm:pt modelId="{5D7C42A3-2090-45FB-B68E-EFE9EDFEB570}" type="sibTrans" cxnId="{714FE8FD-8349-4E04-832E-A38210D08753}">
       <dgm:prSet/>
       <dgm:spPr/>
       <dgm:t>
@@ -3817,29 +3865,29 @@
     </dgm:pt>
   </dgm:ptLst>
   <dgm:cxnLst>
+    <dgm:cxn modelId="{254A7104-AA0C-4761-A63A-6E579CF169AE}" srcId="{01073A64-0340-431D-96BA-AC140B8FB13D}" destId="{8C4F5D48-EC5E-4966-ACD4-B2509DCDDCBC}" srcOrd="2" destOrd="0" parTransId="{3D63FD02-02D6-4B41-8B30-7BBC9A56E67F}" sibTransId="{AF2CF241-89C9-44ED-A052-032E89F9F479}"/>
     <dgm:cxn modelId="{C77F100A-8CC9-46FD-9E21-4F9B51342B27}" type="presOf" srcId="{7A14F2B0-0596-435E-AF0F-B2E6E516F1F4}" destId="{64870B16-C894-4D29-910A-04F9DA0E73F4}" srcOrd="1" destOrd="0" presId="urn:microsoft.com/office/officeart/2005/8/layout/list1"/>
+    <dgm:cxn modelId="{87EA1E0D-C180-41D5-8B2C-39FC1F0C1158}" type="presOf" srcId="{064D3C28-504E-49EA-8138-B1C7AFCEE8C9}" destId="{3FAC252B-A344-4D38-BBE5-E41682E2DE26}" srcOrd="0" destOrd="2" presId="urn:microsoft.com/office/officeart/2005/8/layout/list1"/>
     <dgm:cxn modelId="{88B9D012-4B12-4CC2-BAB7-B6BD49A2CFCE}" srcId="{43B9AE0F-3F0A-498F-A6EC-862BB15D30AE}" destId="{7A14F2B0-0596-435E-AF0F-B2E6E516F1F4}" srcOrd="0" destOrd="0" parTransId="{2816A985-5598-4D46-B59D-369CBBE74069}" sibTransId="{51AD442B-9550-4F7C-B5A0-A10D27626F79}"/>
-    <dgm:cxn modelId="{1CB2041C-D87B-404D-BEB4-CCAD49AEEC93}" type="presOf" srcId="{CFD92EEF-DAE3-4C2A-BB88-D74F53C71AE2}" destId="{A53929D1-6FBF-45C8-A992-C9EEB92F12E5}" srcOrd="0" destOrd="3" presId="urn:microsoft.com/office/officeart/2005/8/layout/list1"/>
     <dgm:cxn modelId="{46FD8822-1C2C-4794-A3FA-88161E1FB79E}" srcId="{01073A64-0340-431D-96BA-AC140B8FB13D}" destId="{432E50B2-9A61-4413-A6BC-404A361823E3}" srcOrd="0" destOrd="0" parTransId="{26038205-FD8F-4371-A209-FC61E033DEA5}" sibTransId="{4B54139D-81A8-48D9-91ED-AF4C6554A99C}"/>
     <dgm:cxn modelId="{38127923-D535-42F7-A3FB-643D13901734}" type="presOf" srcId="{01073A64-0340-431D-96BA-AC140B8FB13D}" destId="{AE07758A-3CD2-46D7-92E7-783FDF4AB0D0}" srcOrd="1" destOrd="0" presId="urn:microsoft.com/office/officeart/2005/8/layout/list1"/>
-    <dgm:cxn modelId="{48B34F29-CEE5-414E-85F3-8C50806D65F5}" type="presOf" srcId="{354D90AF-20B1-47AA-91CE-E36A19584AFA}" destId="{A53929D1-6FBF-45C8-A992-C9EEB92F12E5}" srcOrd="0" destOrd="4" presId="urn:microsoft.com/office/officeart/2005/8/layout/list1"/>
     <dgm:cxn modelId="{142BB82B-220B-4364-8129-A1311BED5393}" type="presOf" srcId="{432E50B2-9A61-4413-A6BC-404A361823E3}" destId="{A53929D1-6FBF-45C8-A992-C9EEB92F12E5}" srcOrd="0" destOrd="0" presId="urn:microsoft.com/office/officeart/2005/8/layout/list1"/>
     <dgm:cxn modelId="{D079E82C-10D9-4EA6-A4EA-8612B15086A2}" type="presOf" srcId="{80018F19-B472-4098-9683-EAF94EFE5350}" destId="{3FAC252B-A344-4D38-BBE5-E41682E2DE26}" srcOrd="0" destOrd="0" presId="urn:microsoft.com/office/officeart/2005/8/layout/list1"/>
+    <dgm:cxn modelId="{84AE072D-C8E2-4083-A90C-36A1823C9CF3}" type="presOf" srcId="{6306B55B-97A2-4E1B-9AA8-665E4B75A33F}" destId="{A53929D1-6FBF-45C8-A992-C9EEB92F12E5}" srcOrd="0" destOrd="4" presId="urn:microsoft.com/office/officeart/2005/8/layout/list1"/>
     <dgm:cxn modelId="{185C4845-2E63-49A0-AEB8-4B1477385E34}" srcId="{7A14F2B0-0596-435E-AF0F-B2E6E516F1F4}" destId="{80018F19-B472-4098-9683-EAF94EFE5350}" srcOrd="0" destOrd="0" parTransId="{D7670351-443E-497B-8EA3-C09C521FC24D}" sibTransId="{BB903FB2-1147-48E7-9DB5-203A7D806D66}"/>
-    <dgm:cxn modelId="{C6AEE846-A44F-4707-84E2-718CBC2D8A22}" type="presOf" srcId="{A38F3D70-0E59-4DC8-9B29-E32B0A65390E}" destId="{A53929D1-6FBF-45C8-A992-C9EEB92F12E5}" srcOrd="0" destOrd="2" presId="urn:microsoft.com/office/officeart/2005/8/layout/list1"/>
+    <dgm:cxn modelId="{DD457B65-439B-4914-AA3B-78CF6AE04DE0}" type="presOf" srcId="{8C4F5D48-EC5E-4966-ACD4-B2509DCDDCBC}" destId="{A53929D1-6FBF-45C8-A992-C9EEB92F12E5}" srcOrd="0" destOrd="2" presId="urn:microsoft.com/office/officeart/2005/8/layout/list1"/>
+    <dgm:cxn modelId="{314A0853-07FE-4AA9-8755-7F942BCCB77A}" srcId="{01073A64-0340-431D-96BA-AC140B8FB13D}" destId="{67C46B4B-F28F-4E2C-AC58-30E76B160517}" srcOrd="1" destOrd="0" parTransId="{ACDCBDF0-7013-403E-9ABC-A318B3028193}" sibTransId="{F7A7FD3D-F285-4F2A-B6A7-3B05473B6F0C}"/>
     <dgm:cxn modelId="{8444017E-953E-4304-9F71-3C3D43C0903A}" type="presOf" srcId="{43B9AE0F-3F0A-498F-A6EC-862BB15D30AE}" destId="{F5272C19-13AE-4FCF-919F-A98C4F7FB1B2}" srcOrd="0" destOrd="0" presId="urn:microsoft.com/office/officeart/2005/8/layout/list1"/>
-    <dgm:cxn modelId="{AFBC6788-AB25-4394-8198-6D0314EB6D80}" type="presOf" srcId="{935AA674-75C6-4BCF-B57B-BD72EA7D308A}" destId="{A53929D1-6FBF-45C8-A992-C9EEB92F12E5}" srcOrd="0" destOrd="1" presId="urn:microsoft.com/office/officeart/2005/8/layout/list1"/>
-    <dgm:cxn modelId="{9E6EA68B-B475-4B0E-8B61-0445F12F871E}" srcId="{01073A64-0340-431D-96BA-AC140B8FB13D}" destId="{CFD92EEF-DAE3-4C2A-BB88-D74F53C71AE2}" srcOrd="3" destOrd="0" parTransId="{F4AEE5A2-7CBA-4457-8DBB-DCAC77B81FF4}" sibTransId="{F90C3444-3AF5-48DF-824B-6F4EAC23F056}"/>
-    <dgm:cxn modelId="{B75D79A3-8E2F-44B2-AF3B-C3546DE061D9}" srcId="{7A14F2B0-0596-435E-AF0F-B2E6E516F1F4}" destId="{D048EC1C-E4FA-4FBF-8C7D-CCBC4AD260EB}" srcOrd="1" destOrd="0" parTransId="{6AF05E14-4284-479E-B276-66BC975238BD}" sibTransId="{94FEB558-2C05-4FE4-B4CC-5AD225FA2578}"/>
     <dgm:cxn modelId="{DE647AA7-A2C7-4CAB-B2FF-D6C93F95F674}" type="presOf" srcId="{01073A64-0340-431D-96BA-AC140B8FB13D}" destId="{588799B4-A913-4183-829D-2897948164D6}" srcOrd="0" destOrd="0" presId="urn:microsoft.com/office/officeart/2005/8/layout/list1"/>
     <dgm:cxn modelId="{B19A52A8-F755-47CA-836E-8DFCEC119C55}" type="presOf" srcId="{7A14F2B0-0596-435E-AF0F-B2E6E516F1F4}" destId="{014DAC22-2D60-404E-8681-8DE0520B1FA3}" srcOrd="0" destOrd="0" presId="urn:microsoft.com/office/officeart/2005/8/layout/list1"/>
-    <dgm:cxn modelId="{655C35BB-89F5-4644-B438-B8536F30DE4E}" type="presOf" srcId="{EECDCAFC-BF34-45C0-B2D1-864D8F1D4729}" destId="{3FAC252B-A344-4D38-BBE5-E41682E2DE26}" srcOrd="0" destOrd="2" presId="urn:microsoft.com/office/officeart/2005/8/layout/list1"/>
-    <dgm:cxn modelId="{439711DE-D5F5-42B6-AEFC-343D7137CC99}" srcId="{01073A64-0340-431D-96BA-AC140B8FB13D}" destId="{935AA674-75C6-4BCF-B57B-BD72EA7D308A}" srcOrd="1" destOrd="0" parTransId="{16354FB3-2EA2-4DC1-A9D9-13392518A72C}" sibTransId="{64804AEC-8A2B-4011-8F5D-F64EC21D88AA}"/>
-    <dgm:cxn modelId="{B60B40DE-C982-4265-85F4-BC9977005133}" srcId="{01073A64-0340-431D-96BA-AC140B8FB13D}" destId="{354D90AF-20B1-47AA-91CE-E36A19584AFA}" srcOrd="4" destOrd="0" parTransId="{2FAB2B71-E84D-45F8-B55C-0D3C8C50507C}" sibTransId="{CA695CB3-EE8E-488E-B935-41901AA50449}"/>
-    <dgm:cxn modelId="{552414E4-37FE-4134-8CBA-6FE27B6C6E61}" srcId="{01073A64-0340-431D-96BA-AC140B8FB13D}" destId="{A38F3D70-0E59-4DC8-9B29-E32B0A65390E}" srcOrd="2" destOrd="0" parTransId="{4545DCD6-3233-4BC2-84F0-E6D764F9BE75}" sibTransId="{0AEC0277-35F0-44FE-B87C-4BCE16DA682A}"/>
+    <dgm:cxn modelId="{4CBCB8AA-DAB1-4E44-BD46-99E3A7C02008}" srcId="{01073A64-0340-431D-96BA-AC140B8FB13D}" destId="{57A11040-5F0E-45B4-AA15-46D1CF7F1460}" srcOrd="3" destOrd="0" parTransId="{443CE00B-7CEE-44AF-8FC4-504E87437247}" sibTransId="{10D28BE0-A11E-48F3-909D-70A675D54288}"/>
+    <dgm:cxn modelId="{29BB1EAF-799E-4C23-8876-97B225CAF911}" srcId="{7A14F2B0-0596-435E-AF0F-B2E6E516F1F4}" destId="{064D3C28-504E-49EA-8138-B1C7AFCEE8C9}" srcOrd="2" destOrd="0" parTransId="{9CEA99DB-7C99-49A5-936C-EB79EEE9BE78}" sibTransId="{A28A78D3-5F05-4691-900D-1E5CAB8330BF}"/>
+    <dgm:cxn modelId="{5EB9AFB6-361D-4587-933A-CB6DA9881D0D}" type="presOf" srcId="{67C46B4B-F28F-4E2C-AC58-30E76B160517}" destId="{A53929D1-6FBF-45C8-A992-C9EEB92F12E5}" srcOrd="0" destOrd="1" presId="urn:microsoft.com/office/officeart/2005/8/layout/list1"/>
+    <dgm:cxn modelId="{9B1258C1-E819-40CD-9447-028D4A5B4A29}" srcId="{7A14F2B0-0596-435E-AF0F-B2E6E516F1F4}" destId="{F4FC03B2-19AB-41C9-814E-5EDD38F4D927}" srcOrd="1" destOrd="0" parTransId="{7B98977B-E018-4900-B2DB-8D14B0968069}" sibTransId="{2D0767C9-AFE9-425E-8042-B1AD1B940173}"/>
+    <dgm:cxn modelId="{4250BCDF-5969-4CDE-8241-76B094EDB7B3}" type="presOf" srcId="{57A11040-5F0E-45B4-AA15-46D1CF7F1460}" destId="{A53929D1-6FBF-45C8-A992-C9EEB92F12E5}" srcOrd="0" destOrd="3" presId="urn:microsoft.com/office/officeart/2005/8/layout/list1"/>
     <dgm:cxn modelId="{3B2E63EB-C85D-41BC-BBDF-54FBF472BCE5}" srcId="{43B9AE0F-3F0A-498F-A6EC-862BB15D30AE}" destId="{01073A64-0340-431D-96BA-AC140B8FB13D}" srcOrd="1" destOrd="0" parTransId="{6A4A071E-78C2-439F-A2AD-9FB46AE292E9}" sibTransId="{1827E520-40EB-4BE6-A362-53C266DCA60D}"/>
-    <dgm:cxn modelId="{4F09F9F7-0168-4C31-94C5-126038ED94D6}" srcId="{7A14F2B0-0596-435E-AF0F-B2E6E516F1F4}" destId="{EECDCAFC-BF34-45C0-B2D1-864D8F1D4729}" srcOrd="2" destOrd="0" parTransId="{26237D95-1EB3-4DB6-A4EB-E507B9919E87}" sibTransId="{C1783479-7498-4CFB-BCDF-B494A7E6D957}"/>
-    <dgm:cxn modelId="{A96695FF-FF65-4BE2-BCBF-BA5C3219E2D2}" type="presOf" srcId="{D048EC1C-E4FA-4FBF-8C7D-CCBC4AD260EB}" destId="{3FAC252B-A344-4D38-BBE5-E41682E2DE26}" srcOrd="0" destOrd="1" presId="urn:microsoft.com/office/officeart/2005/8/layout/list1"/>
+    <dgm:cxn modelId="{14CB29FC-DA2E-4BBC-BE09-0193904A1038}" type="presOf" srcId="{F4FC03B2-19AB-41C9-814E-5EDD38F4D927}" destId="{3FAC252B-A344-4D38-BBE5-E41682E2DE26}" srcOrd="0" destOrd="1" presId="urn:microsoft.com/office/officeart/2005/8/layout/list1"/>
+    <dgm:cxn modelId="{714FE8FD-8349-4E04-832E-A38210D08753}" srcId="{01073A64-0340-431D-96BA-AC140B8FB13D}" destId="{6306B55B-97A2-4E1B-9AA8-665E4B75A33F}" srcOrd="4" destOrd="0" parTransId="{AB0DE6D6-B180-48FE-B3BB-B33EAE6D2887}" sibTransId="{5D7C42A3-2090-45FB-B68E-EFE9EDFEB570}"/>
     <dgm:cxn modelId="{0DCBF42C-0CE0-4C59-B333-85718F6D7958}" type="presParOf" srcId="{F5272C19-13AE-4FCF-919F-A98C4F7FB1B2}" destId="{6308EC04-B856-4D0D-BFF4-F4AC26755312}" srcOrd="0" destOrd="0" presId="urn:microsoft.com/office/officeart/2005/8/layout/list1"/>
     <dgm:cxn modelId="{2AA3CF77-0EA7-42EF-B1D0-948B6B36B637}" type="presParOf" srcId="{6308EC04-B856-4D0D-BFF4-F4AC26755312}" destId="{014DAC22-2D60-404E-8681-8DE0520B1FA3}" srcOrd="0" destOrd="0" presId="urn:microsoft.com/office/officeart/2005/8/layout/list1"/>
     <dgm:cxn modelId="{23100BD1-6F11-4F9A-8128-321EB4DB5642}" type="presParOf" srcId="{6308EC04-B856-4D0D-BFF4-F4AC26755312}" destId="{64870B16-C894-4D29-910A-04F9DA0E73F4}" srcOrd="1" destOrd="0" presId="urn:microsoft.com/office/officeart/2005/8/layout/list1"/>
@@ -4011,8 +4059,16 @@
             <a:buNone/>
           </a:pPr>
           <a:r>
+            <a:rPr lang="en-US" sz="2500" kern="1200" baseline="0" dirty="0" err="1"/>
+            <a:t>Manipulação</a:t>
+          </a:r>
+          <a:r>
             <a:rPr lang="en-US" sz="2500" kern="1200" baseline="0" dirty="0"/>
-            <a:t>Error handling</a:t>
+            <a:t> de </a:t>
+          </a:r>
+          <a:r>
+            <a:rPr lang="en-US" sz="2500" kern="1200" baseline="0" dirty="0" err="1"/>
+            <a:t>Erros</a:t>
           </a:r>
           <a:endParaRPr lang="en-US" sz="2500" kern="1200" dirty="0"/>
         </a:p>
@@ -4163,10 +4219,14 @@
             <a:buNone/>
           </a:pPr>
           <a:r>
-            <a:rPr lang="en-US" sz="2500" kern="1200" baseline="0"/>
-            <a:t>Debugging</a:t>
+            <a:rPr lang="en-US" sz="2500" kern="1200" baseline="0" dirty="0" err="1"/>
+            <a:t>Depuração</a:t>
           </a:r>
-          <a:endParaRPr lang="en-US" sz="2500" kern="1200"/>
+          <a:r>
+            <a:rPr lang="en-US" sz="2500" kern="1200" baseline="0" dirty="0"/>
+            <a:t> (Debugging)</a:t>
+          </a:r>
+          <a:endParaRPr lang="en-US" sz="2500" kern="1200" dirty="0"/>
         </a:p>
       </dsp:txBody>
       <dsp:txXfrm>
@@ -4327,10 +4387,18 @@
             <a:buNone/>
           </a:pPr>
           <a:r>
-            <a:rPr lang="en-US" sz="2500" kern="1200" baseline="0"/>
-            <a:t>Syntax errors</a:t>
+            <a:rPr lang="en-US" sz="2500" kern="1200" baseline="0" dirty="0" err="1"/>
+            <a:t>Erros</a:t>
           </a:r>
-          <a:endParaRPr lang="en-US" sz="2500" kern="1200"/>
+          <a:r>
+            <a:rPr lang="en-US" sz="2500" kern="1200" baseline="0" dirty="0"/>
+            <a:t> de </a:t>
+          </a:r>
+          <a:r>
+            <a:rPr lang="en-US" sz="2500" kern="1200" baseline="0" dirty="0" err="1"/>
+            <a:t>sintaxe</a:t>
+          </a:r>
+          <a:endParaRPr lang="en-US" sz="2500" kern="1200" dirty="0"/>
         </a:p>
       </dsp:txBody>
       <dsp:txXfrm>
@@ -4480,10 +4548,10 @@
             <a:buNone/>
           </a:pPr>
           <a:r>
-            <a:rPr lang="en-US" sz="2500" kern="1200" baseline="0"/>
-            <a:t>Runtime errors</a:t>
+            <a:rPr lang="pt-BR" sz="2500" kern="1200" baseline="0" dirty="0"/>
+            <a:t>Erros de execução</a:t>
           </a:r>
-          <a:endParaRPr lang="en-US" sz="2500" kern="1200"/>
+          <a:endParaRPr lang="en-US" sz="2500" kern="1200" dirty="0"/>
         </a:p>
       </dsp:txBody>
       <dsp:txXfrm>
@@ -4633,10 +4701,18 @@
             <a:buNone/>
           </a:pPr>
           <a:r>
-            <a:rPr lang="en-US" sz="2500" kern="1200" baseline="0"/>
-            <a:t>Logic errors</a:t>
+            <a:rPr lang="en-US" sz="2500" kern="1200" baseline="0" dirty="0" err="1"/>
+            <a:t>Erros</a:t>
           </a:r>
-          <a:endParaRPr lang="en-US" sz="2500" kern="1200"/>
+          <a:r>
+            <a:rPr lang="en-US" sz="2500" kern="1200" baseline="0" dirty="0"/>
+            <a:t> de </a:t>
+          </a:r>
+          <a:r>
+            <a:rPr lang="en-US" sz="2500" kern="1200" baseline="0" dirty="0" err="1"/>
+            <a:t>lógica</a:t>
+          </a:r>
+          <a:endParaRPr lang="en-US" sz="2500" kern="1200" dirty="0"/>
         </a:p>
       </dsp:txBody>
       <dsp:txXfrm>
@@ -4663,8 +4739,8 @@
       </dsp:nvSpPr>
       <dsp:spPr>
         <a:xfrm>
-          <a:off x="0" y="392194"/>
-          <a:ext cx="6644215" cy="2047500"/>
+          <a:off x="0" y="403894"/>
+          <a:ext cx="6644215" cy="2268000"/>
         </a:xfrm>
         <a:prstGeom prst="rect">
           <a:avLst/>
@@ -4704,12 +4780,12 @@
         <a:fontRef idx="minor"/>
       </dsp:style>
       <dsp:txBody>
-        <a:bodyPr spcFirstLastPara="0" vert="horz" wrap="square" lIns="515665" tIns="541528" rIns="515665" bIns="184912" numCol="1" spcCol="1270" anchor="t" anchorCtr="0">
+        <a:bodyPr spcFirstLastPara="0" vert="horz" wrap="square" lIns="515665" tIns="499872" rIns="515665" bIns="170688" numCol="1" spcCol="1270" anchor="t" anchorCtr="0">
           <a:noAutofit/>
         </a:bodyPr>
         <a:lstStyle/>
         <a:p>
-          <a:pPr marL="228600" lvl="1" indent="-228600" algn="l" defTabSz="1155700">
+          <a:pPr marL="228600" lvl="1" indent="-228600" algn="l" defTabSz="1066800">
             <a:lnSpc>
               <a:spcPct val="90000"/>
             </a:lnSpc>
@@ -4722,12 +4798,13 @@
             <a:buChar char="•"/>
           </a:pPr>
           <a:r>
-            <a:rPr lang="en-US" sz="2600" kern="1200"/>
-            <a:t>Last calls are on the top</a:t>
+            <a:rPr lang="pt-BR" sz="2400" kern="1200"/>
+            <a:t>As últimas chamadas estão no topo</a:t>
           </a:r>
+          <a:endParaRPr lang="en-US" sz="2400" kern="1200" dirty="0"/>
         </a:p>
         <a:p>
-          <a:pPr marL="228600" lvl="1" indent="-228600" algn="l" defTabSz="1155700">
+          <a:pPr marL="228600" lvl="1" indent="-228600" algn="l" defTabSz="1066800">
             <a:lnSpc>
               <a:spcPct val="90000"/>
             </a:lnSpc>
@@ -4740,12 +4817,13 @@
             <a:buChar char="•"/>
           </a:pPr>
           <a:r>
-            <a:rPr lang="en-US" sz="2600" kern="1200"/>
-            <a:t>Your code is likely on the bottom</a:t>
+            <a:rPr lang="pt-BR" sz="2400" kern="1200" dirty="0"/>
+            <a:t>Seu código provavelmente está na parte inferior</a:t>
           </a:r>
+          <a:endParaRPr lang="en-US" sz="2400" kern="1200" dirty="0"/>
         </a:p>
         <a:p>
-          <a:pPr marL="228600" lvl="1" indent="-228600" algn="l" defTabSz="1155700">
+          <a:pPr marL="228600" lvl="1" indent="-228600" algn="l" defTabSz="1066800">
             <a:lnSpc>
               <a:spcPct val="90000"/>
             </a:lnSpc>
@@ -4758,14 +4836,14 @@
             <a:buChar char="•"/>
           </a:pPr>
           <a:r>
-            <a:rPr lang="en-US" sz="2600" kern="1200"/>
-            <a:t>Seek out line numbers</a:t>
+            <a:rPr lang="en-US" sz="2400" kern="1200" dirty="0"/>
+            <a:t>Procurar números de linha</a:t>
           </a:r>
         </a:p>
       </dsp:txBody>
       <dsp:txXfrm>
-        <a:off x="0" y="392194"/>
-        <a:ext cx="6644215" cy="2047500"/>
+        <a:off x="0" y="403894"/>
+        <a:ext cx="6644215" cy="2268000"/>
       </dsp:txXfrm>
     </dsp:sp>
     <dsp:sp modelId="{64870B16-C894-4D29-910A-04F9DA0E73F4}">
@@ -4775,8 +4853,8 @@
       </dsp:nvSpPr>
       <dsp:spPr>
         <a:xfrm>
-          <a:off x="332210" y="8434"/>
-          <a:ext cx="4650950" cy="767520"/>
+          <a:off x="332210" y="49654"/>
+          <a:ext cx="4650950" cy="708480"/>
         </a:xfrm>
         <a:prstGeom prst="roundRect">
           <a:avLst/>
@@ -4822,7 +4900,7 @@
         </a:bodyPr>
         <a:lstStyle/>
         <a:p>
-          <a:pPr marL="0" lvl="0" indent="0" algn="l" defTabSz="1155700">
+          <a:pPr marL="0" lvl="0" indent="0" algn="l" defTabSz="1066800">
             <a:lnSpc>
               <a:spcPct val="90000"/>
             </a:lnSpc>
@@ -4835,14 +4913,14 @@
             <a:buNone/>
           </a:pPr>
           <a:r>
-            <a:rPr lang="en-US" sz="2600" kern="1200"/>
+            <a:rPr lang="en-US" sz="2400" kern="1200" dirty="0"/>
             <a:t>Stack trace</a:t>
           </a:r>
         </a:p>
       </dsp:txBody>
       <dsp:txXfrm>
-        <a:off x="369677" y="45901"/>
-        <a:ext cx="4576016" cy="692586"/>
+        <a:off x="366795" y="84239"/>
+        <a:ext cx="4581780" cy="639310"/>
       </dsp:txXfrm>
     </dsp:sp>
     <dsp:sp modelId="{A53929D1-6FBF-45C8-A992-C9EEB92F12E5}">
@@ -4852,8 +4930,8 @@
       </dsp:nvSpPr>
       <dsp:spPr>
         <a:xfrm>
-          <a:off x="0" y="2963855"/>
-          <a:ext cx="6644215" cy="3030300"/>
+          <a:off x="0" y="3155734"/>
+          <a:ext cx="6644215" cy="2797200"/>
         </a:xfrm>
         <a:prstGeom prst="rect">
           <a:avLst/>
@@ -4893,12 +4971,12 @@
         <a:fontRef idx="minor"/>
       </dsp:style>
       <dsp:txBody>
-        <a:bodyPr spcFirstLastPara="0" vert="horz" wrap="square" lIns="515665" tIns="541528" rIns="515665" bIns="184912" numCol="1" spcCol="1270" anchor="t" anchorCtr="0">
+        <a:bodyPr spcFirstLastPara="0" vert="horz" wrap="square" lIns="515665" tIns="499872" rIns="515665" bIns="170688" numCol="1" spcCol="1270" anchor="t" anchorCtr="0">
           <a:noAutofit/>
         </a:bodyPr>
         <a:lstStyle/>
         <a:p>
-          <a:pPr marL="228600" lvl="1" indent="-228600" algn="l" defTabSz="1155700">
+          <a:pPr marL="228600" lvl="1" indent="-228600" algn="l" defTabSz="1066800">
             <a:lnSpc>
               <a:spcPct val="90000"/>
             </a:lnSpc>
@@ -4911,12 +4989,13 @@
             <a:buChar char="•"/>
           </a:pPr>
           <a:r>
-            <a:rPr lang="en-US" sz="2600" kern="1200" dirty="0"/>
-            <a:t>Reread your code</a:t>
+            <a:rPr lang="en-US" sz="2400" kern="1200"/>
+            <a:t>Releia seu código</a:t>
           </a:r>
+          <a:endParaRPr lang="en-US" sz="2400" kern="1200" dirty="0"/>
         </a:p>
         <a:p>
-          <a:pPr marL="228600" lvl="1" indent="-228600" algn="l" defTabSz="1155700">
+          <a:pPr marL="228600" lvl="1" indent="-228600" algn="l" defTabSz="1066800">
             <a:lnSpc>
               <a:spcPct val="90000"/>
             </a:lnSpc>
@@ -4929,12 +5008,12 @@
             <a:buChar char="•"/>
           </a:pPr>
           <a:r>
-            <a:rPr lang="en-US" sz="2600" kern="1200" dirty="0"/>
-            <a:t>Check the documentation</a:t>
+            <a:rPr lang="en-US" sz="2400" kern="1200" dirty="0"/>
+            <a:t>Verifique a documentação</a:t>
           </a:r>
         </a:p>
         <a:p>
-          <a:pPr marL="228600" lvl="1" indent="-228600" algn="l" defTabSz="1155700">
+          <a:pPr marL="228600" lvl="1" indent="-228600" algn="l" defTabSz="1066800">
             <a:lnSpc>
               <a:spcPct val="90000"/>
             </a:lnSpc>
@@ -4947,12 +5026,12 @@
             <a:buChar char="•"/>
           </a:pPr>
           <a:r>
-            <a:rPr lang="en-US" sz="2600" kern="1200" dirty="0"/>
-            <a:t>Search the internet</a:t>
+            <a:rPr lang="en-US" sz="2400" kern="1200" dirty="0"/>
+            <a:t>Procure na internet</a:t>
           </a:r>
         </a:p>
         <a:p>
-          <a:pPr marL="228600" lvl="1" indent="-228600" algn="l" defTabSz="1155700">
+          <a:pPr marL="228600" lvl="1" indent="-228600" algn="l" defTabSz="1066800">
             <a:lnSpc>
               <a:spcPct val="90000"/>
             </a:lnSpc>
@@ -4965,12 +5044,12 @@
             <a:buChar char="•"/>
           </a:pPr>
           <a:r>
-            <a:rPr lang="en-US" sz="2600" kern="1200" dirty="0"/>
-            <a:t>Take a break</a:t>
+            <a:rPr lang="en-US" sz="2400" kern="1200" dirty="0"/>
+            <a:t>Dar um tempo</a:t>
           </a:r>
         </a:p>
         <a:p>
-          <a:pPr marL="228600" lvl="1" indent="-228600" algn="l" defTabSz="1155700">
+          <a:pPr marL="228600" lvl="1" indent="-228600" algn="l" defTabSz="1066800">
             <a:lnSpc>
               <a:spcPct val="90000"/>
             </a:lnSpc>
@@ -4983,14 +5062,14 @@
             <a:buChar char="•"/>
           </a:pPr>
           <a:r>
-            <a:rPr lang="en-US" sz="2600" kern="1200" dirty="0"/>
-            <a:t>Ask someone for help</a:t>
+            <a:rPr lang="en-US" sz="2400" kern="1200" dirty="0"/>
+            <a:t>Peça ajuda a alguém</a:t>
           </a:r>
         </a:p>
       </dsp:txBody>
       <dsp:txXfrm>
-        <a:off x="0" y="2963855"/>
-        <a:ext cx="6644215" cy="3030300"/>
+        <a:off x="0" y="3155734"/>
+        <a:ext cx="6644215" cy="2797200"/>
       </dsp:txXfrm>
     </dsp:sp>
     <dsp:sp modelId="{AE07758A-3CD2-46D7-92E7-783FDF4AB0D0}">
@@ -5000,8 +5079,8 @@
       </dsp:nvSpPr>
       <dsp:spPr>
         <a:xfrm>
-          <a:off x="332210" y="2580095"/>
-          <a:ext cx="4650950" cy="767520"/>
+          <a:off x="332210" y="2801494"/>
+          <a:ext cx="4650950" cy="708480"/>
         </a:xfrm>
         <a:prstGeom prst="roundRect">
           <a:avLst/>
@@ -5047,7 +5126,7 @@
         </a:bodyPr>
         <a:lstStyle/>
         <a:p>
-          <a:pPr marL="0" lvl="0" indent="0" algn="l" defTabSz="1155700">
+          <a:pPr marL="0" lvl="0" indent="0" algn="l" defTabSz="1066800">
             <a:lnSpc>
               <a:spcPct val="90000"/>
             </a:lnSpc>
@@ -5060,14 +5139,31 @@
             <a:buNone/>
           </a:pPr>
           <a:r>
-            <a:rPr lang="en-US" sz="2600" kern="1200"/>
-            <a:t>Finding your mistake</a:t>
+            <a:rPr lang="en-US" sz="2400" kern="1200" dirty="0" err="1"/>
+            <a:t>Encontrando</a:t>
           </a:r>
+          <a:r>
+            <a:rPr lang="en-US" sz="2400" kern="1200" dirty="0"/>
+            <a:t> </a:t>
+          </a:r>
+          <a:r>
+            <a:rPr lang="en-US" sz="2400" kern="1200" dirty="0" err="1"/>
+            <a:t>seu</a:t>
+          </a:r>
+          <a:r>
+            <a:rPr lang="en-US" sz="2400" kern="1200" dirty="0"/>
+            <a:t> </a:t>
+          </a:r>
+          <a:r>
+            <a:rPr lang="en-US" sz="2400" kern="1200" dirty="0" err="1"/>
+            <a:t>erro</a:t>
+          </a:r>
+          <a:endParaRPr lang="en-US" sz="2400" kern="1200" dirty="0"/>
         </a:p>
       </dsp:txBody>
       <dsp:txXfrm>
-        <a:off x="369677" y="2617562"/>
-        <a:ext cx="4576016" cy="692586"/>
+        <a:off x="366795" y="2836079"/>
+        <a:ext cx="4581780" cy="639310"/>
       </dsp:txXfrm>
     </dsp:sp>
   </dsp:spTree>
@@ -9075,7 +9171,7 @@
               <a:rPr lang="en-US" smtClean="0">
                 <a:latin typeface="Segoe UI" pitchFamily="34" charset="0"/>
               </a:rPr>
-              <a:t>6/9/2019 4:33 PM</a:t>
+              <a:t>7/17/2020 7:14 PM</a:t>
             </a:fld>
             <a:endParaRPr lang="en-US" dirty="0">
               <a:latin typeface="Segoe UI" pitchFamily="34" charset="0"/>
@@ -9353,7 +9449,7 @@
           <a:p>
             <a:fld id="{38EEC551-8CDA-4EB6-89BB-2A86C9F091C8}" type="datetime8">
               <a:rPr lang="en-US" smtClean="0"/>
-              <a:t>6/9/2019 4:33 PM</a:t>
+              <a:t>7/17/2020 7:13 PM</a:t>
             </a:fld>
             <a:endParaRPr lang="en-US" dirty="0"/>
           </a:p>
@@ -47820,13 +47916,34 @@
           </a:lstStyle>
           <a:p>
             <a:r>
+              <a:rPr lang="en-US" dirty="0" err="1">
+                <a:solidFill>
+                  <a:schemeClr val="bg1"/>
+                </a:solidFill>
+              </a:rPr>
+              <a:t>Manipulação</a:t>
+            </a:r>
+            <a:r>
               <a:rPr lang="en-US" dirty="0">
                 <a:solidFill>
                   <a:schemeClr val="bg1"/>
                 </a:solidFill>
               </a:rPr>
-              <a:t>Error handling</a:t>
+              <a:t> de </a:t>
             </a:r>
+            <a:r>
+              <a:rPr lang="en-US" dirty="0" err="1">
+                <a:solidFill>
+                  <a:schemeClr val="bg1"/>
+                </a:solidFill>
+              </a:rPr>
+              <a:t>erros</a:t>
+            </a:r>
+            <a:endParaRPr lang="en-US" dirty="0">
+              <a:solidFill>
+                <a:schemeClr val="bg1"/>
+              </a:solidFill>
+            </a:endParaRPr>
           </a:p>
         </p:txBody>
       </p:sp>
@@ -48391,15 +48508,22 @@
           <a:p>
             <a:pPr defTabSz="914400"/>
             <a:r>
-              <a:rPr lang="en-US" sz="4400">
+              <a:rPr lang="pt-BR" sz="4400" dirty="0">
                 <a:solidFill>
                   <a:srgbClr val="FFFFFF"/>
                 </a:solidFill>
                 <a:ea typeface="+mj-ea"/>
                 <a:cs typeface="+mj-cs"/>
               </a:rPr>
-              <a:t>Figuring out what went wrong</a:t>
+              <a:t>Descobrir o que deu errado</a:t>
             </a:r>
+            <a:endParaRPr lang="en-US" sz="4400" dirty="0">
+              <a:solidFill>
+                <a:srgbClr val="FFFFFF"/>
+              </a:solidFill>
+              <a:ea typeface="+mj-ea"/>
+              <a:cs typeface="+mj-cs"/>
+            </a:endParaRPr>
           </a:p>
         </p:txBody>
       </p:sp>
@@ -48416,7 +48540,7 @@
           <p:nvPr>
             <p:extLst>
               <p:ext uri="{D42A27DB-BD31-4B8C-83A1-F6EECF244321}">
-                <p14:modId xmlns:p14="http://schemas.microsoft.com/office/powerpoint/2010/main" val="3514309263"/>
+                <p14:modId xmlns:p14="http://schemas.microsoft.com/office/powerpoint/2010/main" val="2755544824"/>
               </p:ext>
             </p:extLst>
           </p:nvPr>
@@ -49016,15 +49140,42 @@
           <a:p>
             <a:pPr defTabSz="914400"/>
             <a:r>
-              <a:rPr lang="en-US" sz="4400">
+              <a:rPr lang="en-US" sz="4400" dirty="0" err="1">
                 <a:solidFill>
                   <a:srgbClr val="FFFFFF"/>
                 </a:solidFill>
                 <a:ea typeface="+mj-ea"/>
                 <a:cs typeface="+mj-cs"/>
               </a:rPr>
-              <a:t>Defining terms</a:t>
+              <a:t>Definindo</a:t>
             </a:r>
+            <a:r>
+              <a:rPr lang="en-US" sz="4400" dirty="0">
+                <a:solidFill>
+                  <a:srgbClr val="FFFFFF"/>
+                </a:solidFill>
+                <a:ea typeface="+mj-ea"/>
+                <a:cs typeface="+mj-cs"/>
+              </a:rPr>
+              <a:t> </a:t>
+            </a:r>
+            <a:r>
+              <a:rPr lang="en-US" sz="4400" dirty="0" err="1">
+                <a:solidFill>
+                  <a:srgbClr val="FFFFFF"/>
+                </a:solidFill>
+                <a:ea typeface="+mj-ea"/>
+                <a:cs typeface="+mj-cs"/>
+              </a:rPr>
+              <a:t>termos</a:t>
+            </a:r>
+            <a:endParaRPr lang="en-US" sz="4400" dirty="0">
+              <a:solidFill>
+                <a:srgbClr val="FFFFFF"/>
+              </a:solidFill>
+              <a:ea typeface="+mj-ea"/>
+              <a:cs typeface="+mj-cs"/>
+            </a:endParaRPr>
           </a:p>
         </p:txBody>
       </p:sp>
@@ -49041,7 +49192,7 @@
           <p:nvPr>
             <p:extLst>
               <p:ext uri="{D42A27DB-BD31-4B8C-83A1-F6EECF244321}">
-                <p14:modId xmlns:p14="http://schemas.microsoft.com/office/powerpoint/2010/main" val="674897835"/>
+                <p14:modId xmlns:p14="http://schemas.microsoft.com/office/powerpoint/2010/main" val="662740320"/>
               </p:ext>
             </p:extLst>
           </p:nvPr>
@@ -49608,15 +49759,42 @@
           <a:p>
             <a:pPr defTabSz="914400"/>
             <a:r>
-              <a:rPr lang="en-US" sz="4400">
+              <a:rPr lang="en-US" sz="4400" dirty="0" err="1">
                 <a:solidFill>
                   <a:srgbClr val="FFFFFF"/>
                 </a:solidFill>
                 <a:ea typeface="+mj-ea"/>
                 <a:cs typeface="+mj-cs"/>
               </a:rPr>
-              <a:t>Error types</a:t>
+              <a:t>Tipos</a:t>
             </a:r>
+            <a:r>
+              <a:rPr lang="en-US" sz="4400" dirty="0">
+                <a:solidFill>
+                  <a:srgbClr val="FFFFFF"/>
+                </a:solidFill>
+                <a:ea typeface="+mj-ea"/>
+                <a:cs typeface="+mj-cs"/>
+              </a:rPr>
+              <a:t> de </a:t>
+            </a:r>
+            <a:r>
+              <a:rPr lang="en-US" sz="4400" dirty="0" err="1">
+                <a:solidFill>
+                  <a:srgbClr val="FFFFFF"/>
+                </a:solidFill>
+                <a:ea typeface="+mj-ea"/>
+                <a:cs typeface="+mj-cs"/>
+              </a:rPr>
+              <a:t>Erro</a:t>
+            </a:r>
+            <a:endParaRPr lang="en-US" sz="4400" dirty="0">
+              <a:solidFill>
+                <a:srgbClr val="FFFFFF"/>
+              </a:solidFill>
+              <a:ea typeface="+mj-ea"/>
+              <a:cs typeface="+mj-cs"/>
+            </a:endParaRPr>
           </a:p>
         </p:txBody>
       </p:sp>
@@ -49633,7 +49811,7 @@
           <p:nvPr>
             <p:extLst>
               <p:ext uri="{D42A27DB-BD31-4B8C-83A1-F6EECF244321}">
-                <p14:modId xmlns:p14="http://schemas.microsoft.com/office/powerpoint/2010/main" val="848573865"/>
+                <p14:modId xmlns:p14="http://schemas.microsoft.com/office/powerpoint/2010/main" val="2206514231"/>
               </p:ext>
             </p:extLst>
           </p:nvPr>
@@ -49743,9 +49921,18 @@
           <a:lstStyle/>
           <a:p>
             <a:r>
+              <a:rPr lang="en-US" dirty="0" err="1"/>
+              <a:t>Erros</a:t>
+            </a:r>
+            <a:r>
               <a:rPr lang="en-US" dirty="0"/>
-              <a:t>Syntax errors</a:t>
+              <a:t> de </a:t>
             </a:r>
+            <a:r>
+              <a:rPr lang="en-US" dirty="0" err="1"/>
+              <a:t>Sintaxe</a:t>
+            </a:r>
+            <a:endParaRPr lang="en-US" dirty="0"/>
           </a:p>
         </p:txBody>
       </p:sp>
@@ -49783,8 +49970,25 @@
                   </a:schemeClr>
                 </a:solidFill>
               </a:rPr>
-              <a:t># This code won't run at all</a:t>
+              <a:t># </a:t>
             </a:r>
+            <a:r>
+              <a:rPr lang="pt-BR" dirty="0">
+                <a:solidFill>
+                  <a:schemeClr val="tx2">
+                    <a:lumMod val="75000"/>
+                  </a:schemeClr>
+                </a:solidFill>
+              </a:rPr>
+              <a:t>Este código não será executado</a:t>
+            </a:r>
+            <a:endParaRPr lang="en-US" dirty="0">
+              <a:solidFill>
+                <a:schemeClr val="tx2">
+                  <a:lumMod val="75000"/>
+                </a:schemeClr>
+              </a:solidFill>
+            </a:endParaRPr>
           </a:p>
           <a:p>
             <a:r>
@@ -49825,7 +50029,23 @@
                   <a:srgbClr val="C00000"/>
                 </a:solidFill>
               </a:rPr>
-              <a:t>'Success!!'</a:t>
+              <a:t>'</a:t>
+            </a:r>
+            <a:r>
+              <a:rPr lang="en-US" dirty="0" err="1">
+                <a:solidFill>
+                  <a:srgbClr val="C00000"/>
+                </a:solidFill>
+              </a:rPr>
+              <a:t>Sucesso</a:t>
+            </a:r>
+            <a:r>
+              <a:rPr lang="en-US" dirty="0">
+                <a:solidFill>
+                  <a:srgbClr val="C00000"/>
+                </a:solidFill>
+              </a:rPr>
+              <a:t>!!'</a:t>
             </a:r>
             <a:r>
               <a:rPr lang="en-US" dirty="0"/>
@@ -50277,9 +50497,18 @@
           <a:lstStyle/>
           <a:p>
             <a:r>
+              <a:rPr lang="en-US" dirty="0" err="1"/>
+              <a:t>Erros</a:t>
+            </a:r>
+            <a:r>
               <a:rPr lang="en-US" dirty="0"/>
-              <a:t>Runtime errors</a:t>
+              <a:t> de </a:t>
             </a:r>
+            <a:r>
+              <a:rPr lang="en-US" dirty="0" err="1"/>
+              <a:t>execução</a:t>
+            </a:r>
+            <a:endParaRPr lang="en-US" dirty="0"/>
           </a:p>
         </p:txBody>
       </p:sp>
@@ -50317,7 +50546,97 @@
                   </a:schemeClr>
                 </a:solidFill>
               </a:rPr>
-              <a:t># This code will fail when run</a:t>
+              <a:t># </a:t>
+            </a:r>
+            <a:r>
+              <a:rPr lang="en-US" dirty="0" err="1">
+                <a:solidFill>
+                  <a:schemeClr val="tx2">
+                    <a:lumMod val="75000"/>
+                  </a:schemeClr>
+                </a:solidFill>
+              </a:rPr>
+              <a:t>Esse</a:t>
+            </a:r>
+            <a:r>
+              <a:rPr lang="en-US" dirty="0">
+                <a:solidFill>
+                  <a:schemeClr val="tx2">
+                    <a:lumMod val="75000"/>
+                  </a:schemeClr>
+                </a:solidFill>
+              </a:rPr>
+              <a:t> Código </a:t>
+            </a:r>
+            <a:r>
+              <a:rPr lang="en-US" dirty="0" err="1">
+                <a:solidFill>
+                  <a:schemeClr val="tx2">
+                    <a:lumMod val="75000"/>
+                  </a:schemeClr>
+                </a:solidFill>
+              </a:rPr>
+              <a:t>vai</a:t>
+            </a:r>
+            <a:r>
+              <a:rPr lang="en-US" dirty="0">
+                <a:solidFill>
+                  <a:schemeClr val="tx2">
+                    <a:lumMod val="75000"/>
+                  </a:schemeClr>
+                </a:solidFill>
+              </a:rPr>
+              <a:t> </a:t>
+            </a:r>
+            <a:r>
+              <a:rPr lang="en-US" dirty="0" err="1">
+                <a:solidFill>
+                  <a:schemeClr val="tx2">
+                    <a:lumMod val="75000"/>
+                  </a:schemeClr>
+                </a:solidFill>
+              </a:rPr>
+              <a:t>falhar</a:t>
+            </a:r>
+            <a:r>
+              <a:rPr lang="en-US" dirty="0">
+                <a:solidFill>
+                  <a:schemeClr val="tx2">
+                    <a:lumMod val="75000"/>
+                  </a:schemeClr>
+                </a:solidFill>
+              </a:rPr>
+              <a:t> </a:t>
+            </a:r>
+            <a:r>
+              <a:rPr lang="en-US" dirty="0" err="1">
+                <a:solidFill>
+                  <a:schemeClr val="tx2">
+                    <a:lumMod val="75000"/>
+                  </a:schemeClr>
+                </a:solidFill>
+              </a:rPr>
+              <a:t>na</a:t>
+            </a:r>
+            <a:r>
+              <a:rPr lang="en-US" dirty="0">
+                <a:solidFill>
+                  <a:schemeClr val="tx2">
+                    <a:lumMod val="75000"/>
+                  </a:schemeClr>
+                </a:solidFill>
+              </a:rPr>
+              <a:t> </a:t>
+            </a:r>
+            <a:r>
+              <a:rPr lang="en-US" dirty="0" err="1">
+                <a:solidFill>
+                  <a:schemeClr val="tx2">
+                    <a:lumMod val="75000"/>
+                  </a:schemeClr>
+                </a:solidFill>
+              </a:rPr>
+              <a:t>execução</a:t>
             </a:r>
             <a:endParaRPr lang="es-ES" dirty="0">
               <a:solidFill>
@@ -50790,9 +51109,10 @@
           <a:lstStyle/>
           <a:p>
             <a:r>
-              <a:rPr lang="en-US" dirty="0"/>
-              <a:t>Catching runtime errors</a:t>
+              <a:rPr lang="pt-BR" dirty="0"/>
+              <a:t>Capturando erros de tempo de execução</a:t>
             </a:r>
+            <a:endParaRPr lang="en-US" dirty="0"/>
           </a:p>
         </p:txBody>
       </p:sp>
@@ -50856,8 +51176,25 @@
                   </a:schemeClr>
                 </a:solidFill>
               </a:rPr>
-              <a:t>    # Optionally, log e somewhere</a:t>
+              <a:t>    # </a:t>
             </a:r>
+            <a:r>
+              <a:rPr lang="pt-BR" sz="2800" dirty="0">
+                <a:solidFill>
+                  <a:schemeClr val="tx2">
+                    <a:lumMod val="75000"/>
+                  </a:schemeClr>
+                </a:solidFill>
+              </a:rPr>
+              <a:t>Opcionalmente, registre e em algum lugar</a:t>
+            </a:r>
+            <a:endParaRPr lang="en-US" sz="2800" dirty="0">
+              <a:solidFill>
+                <a:schemeClr val="tx2">
+                  <a:lumMod val="75000"/>
+                </a:schemeClr>
+              </a:solidFill>
+            </a:endParaRPr>
           </a:p>
           <a:p>
             <a:r>
@@ -50870,7 +51207,55 @@
                   <a:srgbClr val="C00000"/>
                 </a:solidFill>
               </a:rPr>
-              <a:t>'Sorry, something went wrong'</a:t>
+              <a:t>'</a:t>
+            </a:r>
+            <a:r>
+              <a:rPr lang="en-US" sz="2800" dirty="0" err="1">
+                <a:solidFill>
+                  <a:srgbClr val="C00000"/>
+                </a:solidFill>
+              </a:rPr>
+              <a:t>Desculpe</a:t>
+            </a:r>
+            <a:r>
+              <a:rPr lang="en-US" sz="2800" dirty="0">
+                <a:solidFill>
+                  <a:srgbClr val="C00000"/>
+                </a:solidFill>
+              </a:rPr>
+              <a:t>, algo </a:t>
+            </a:r>
+            <a:r>
+              <a:rPr lang="en-US" sz="2800" dirty="0" err="1">
+                <a:solidFill>
+                  <a:srgbClr val="C00000"/>
+                </a:solidFill>
+              </a:rPr>
+              <a:t>deu</a:t>
+            </a:r>
+            <a:r>
+              <a:rPr lang="en-US" sz="2800" dirty="0">
+                <a:solidFill>
+                  <a:srgbClr val="C00000"/>
+                </a:solidFill>
+              </a:rPr>
+              <a:t> </a:t>
+            </a:r>
+            <a:r>
+              <a:rPr lang="en-US" sz="2800" dirty="0" err="1">
+                <a:solidFill>
+                  <a:srgbClr val="C00000"/>
+                </a:solidFill>
+              </a:rPr>
+              <a:t>errado</a:t>
+            </a:r>
+            <a:r>
+              <a:rPr lang="en-US" sz="2800" dirty="0">
+                <a:solidFill>
+                  <a:srgbClr val="C00000"/>
+                </a:solidFill>
+              </a:rPr>
+              <a:t>'</a:t>
             </a:r>
             <a:r>
               <a:rPr lang="en-US" sz="2800" dirty="0"/>
@@ -50894,7 +51279,55 @@
                   <a:srgbClr val="C00000"/>
                 </a:solidFill>
               </a:rPr>
-              <a:t>'Something really went wrong'</a:t>
+              <a:t>'Algo </a:t>
+            </a:r>
+            <a:r>
+              <a:rPr lang="en-US" sz="2800" dirty="0" err="1">
+                <a:solidFill>
+                  <a:srgbClr val="C00000"/>
+                </a:solidFill>
+              </a:rPr>
+              <a:t>realmente</a:t>
+            </a:r>
+            <a:r>
+              <a:rPr lang="en-US" sz="2800" dirty="0">
+                <a:solidFill>
+                  <a:srgbClr val="C00000"/>
+                </a:solidFill>
+              </a:rPr>
+              <a:t> </a:t>
+            </a:r>
+            <a:r>
+              <a:rPr lang="en-US" sz="2800" dirty="0" err="1">
+                <a:solidFill>
+                  <a:srgbClr val="C00000"/>
+                </a:solidFill>
+              </a:rPr>
+              <a:t>deu</a:t>
+            </a:r>
+            <a:r>
+              <a:rPr lang="en-US" sz="2800" dirty="0">
+                <a:solidFill>
+                  <a:srgbClr val="C00000"/>
+                </a:solidFill>
+              </a:rPr>
+              <a:t> </a:t>
+            </a:r>
+            <a:r>
+              <a:rPr lang="en-US" sz="2800" dirty="0" err="1">
+                <a:solidFill>
+                  <a:srgbClr val="C00000"/>
+                </a:solidFill>
+              </a:rPr>
+              <a:t>errado</a:t>
+            </a:r>
+            <a:r>
+              <a:rPr lang="en-US" sz="2800" dirty="0">
+                <a:solidFill>
+                  <a:srgbClr val="C00000"/>
+                </a:solidFill>
+              </a:rPr>
+              <a:t>'</a:t>
             </a:r>
             <a:r>
               <a:rPr lang="en-US" sz="2800" dirty="0"/>
@@ -50918,7 +51351,23 @@
                   <a:srgbClr val="C00000"/>
                 </a:solidFill>
               </a:rPr>
-              <a:t>'This always runs on success or failure'</a:t>
+              <a:t>'</a:t>
+            </a:r>
+            <a:r>
+              <a:rPr lang="pt-BR" sz="2800" dirty="0">
+                <a:solidFill>
+                  <a:srgbClr val="C00000"/>
+                </a:solidFill>
+              </a:rPr>
+              <a:t>Isso sempre funciona com sucesso ou fracasso</a:t>
+            </a:r>
+            <a:r>
+              <a:rPr lang="en-US" sz="2800" dirty="0">
+                <a:solidFill>
+                  <a:srgbClr val="C00000"/>
+                </a:solidFill>
+              </a:rPr>
+              <a:t>'</a:t>
             </a:r>
             <a:r>
               <a:rPr lang="en-US" sz="2800" dirty="0"/>
@@ -51181,12 +51630,44 @@
           </a:lstStyle>
           <a:p>
             <a:r>
+              <a:rPr lang="en-CA" dirty="0" err="1">
+                <a:solidFill>
+                  <a:schemeClr val="bg1"/>
+                </a:solidFill>
+              </a:rPr>
+              <a:t>Desculpe</a:t>
+            </a:r>
+            <a:r>
               <a:rPr lang="en-CA" dirty="0">
                 <a:solidFill>
                   <a:schemeClr val="bg1"/>
                 </a:solidFill>
               </a:rPr>
-              <a:t>Sorry, something went wrong</a:t>
+              <a:t>, algo </a:t>
+            </a:r>
+            <a:r>
+              <a:rPr lang="en-CA" dirty="0" err="1">
+                <a:solidFill>
+                  <a:schemeClr val="bg1"/>
+                </a:solidFill>
+              </a:rPr>
+              <a:t>deu</a:t>
+            </a:r>
+            <a:r>
+              <a:rPr lang="en-CA" dirty="0">
+                <a:solidFill>
+                  <a:schemeClr val="bg1"/>
+                </a:solidFill>
+              </a:rPr>
+              <a:t> </a:t>
+            </a:r>
+            <a:r>
+              <a:rPr lang="en-CA" dirty="0" err="1">
+                <a:solidFill>
+                  <a:schemeClr val="bg1"/>
+                </a:solidFill>
+              </a:rPr>
+              <a:t>errado</a:t>
             </a:r>
             <a:endParaRPr lang="en-CA" dirty="0"/>
           </a:p>
@@ -51325,8 +51806,20 @@
           <a:lstStyle/>
           <a:p>
             <a:r>
+              <a:rPr lang="en-US" dirty="0" err="1"/>
+              <a:t>Quando</a:t>
+            </a:r>
+            <a:r>
               <a:rPr lang="en-US" dirty="0"/>
-              <a:t>When to use try/except/finally</a:t>
+              <a:t> </a:t>
+            </a:r>
+            <a:r>
+              <a:rPr lang="en-US" dirty="0" err="1"/>
+              <a:t>usar</a:t>
+            </a:r>
+            <a:r>
+              <a:rPr lang="en-US" dirty="0"/>
+              <a:t> try/except/finally</a:t>
             </a:r>
           </a:p>
         </p:txBody>
@@ -51358,22 +51851,23 @@
           <a:lstStyle/>
           <a:p>
             <a:r>
-              <a:rPr lang="en-US" dirty="0"/>
-              <a:t>When something might go wrong</a:t>
+              <a:rPr lang="pt-BR" dirty="0"/>
+              <a:t>Quando algo pode dar errado</a:t>
+            </a:r>
+            <a:endParaRPr lang="en-US" dirty="0"/>
+          </a:p>
+          <a:p>
+            <a:pPr lvl="1"/>
+            <a:r>
+              <a:rPr lang="pt-BR" dirty="0"/>
+              <a:t>Entrada do usuário</a:t>
             </a:r>
           </a:p>
           <a:p>
             <a:pPr lvl="1"/>
             <a:r>
-              <a:rPr lang="en-US" dirty="0"/>
-              <a:t>User input</a:t>
-            </a:r>
-          </a:p>
-          <a:p>
-            <a:pPr lvl="1"/>
-            <a:r>
-              <a:rPr lang="en-US" dirty="0"/>
-              <a:t>Accessing an external system</a:t>
+              <a:rPr lang="pt-BR" dirty="0"/>
+              <a:t>Acessando um Sistema Externo</a:t>
             </a:r>
           </a:p>
           <a:p>
@@ -51392,9 +51886,10 @@
           </a:p>
           <a:p>
             <a:r>
-              <a:rPr lang="en-US" dirty="0"/>
-              <a:t>You can act upon the error</a:t>
+              <a:rPr lang="pt-BR" dirty="0"/>
+              <a:t>Você pode agir de acordo com o erro</a:t>
             </a:r>
+            <a:endParaRPr lang="en-US" dirty="0"/>
           </a:p>
           <a:p>
             <a:pPr lvl="1"/>
@@ -51467,8 +51962,36 @@
           <a:lstStyle/>
           <a:p>
             <a:r>
+              <a:rPr lang="en-US" dirty="0" err="1"/>
+              <a:t>Algumas</a:t>
+            </a:r>
+            <a:r>
               <a:rPr lang="en-US" dirty="0"/>
-              <a:t>Some final words on try/except/finally</a:t>
+              <a:t> </a:t>
+            </a:r>
+            <a:r>
+              <a:rPr lang="en-US" dirty="0" err="1"/>
+              <a:t>palavras</a:t>
+            </a:r>
+            <a:r>
+              <a:rPr lang="en-US" dirty="0"/>
+              <a:t> </a:t>
+            </a:r>
+            <a:r>
+              <a:rPr lang="en-US" dirty="0" err="1"/>
+              <a:t>finais</a:t>
+            </a:r>
+            <a:r>
+              <a:rPr lang="en-US" dirty="0"/>
+              <a:t> </a:t>
+            </a:r>
+            <a:r>
+              <a:rPr lang="en-US" dirty="0" err="1"/>
+              <a:t>sobre</a:t>
+            </a:r>
+            <a:r>
+              <a:rPr lang="en-US" dirty="0"/>
+              <a:t> try/except/finally</a:t>
             </a:r>
           </a:p>
         </p:txBody>
@@ -51492,7 +52015,7 @@
         <p:spPr>
           <a:xfrm>
             <a:off x="365760" y="1371600"/>
-            <a:ext cx="11704320" cy="2806922"/>
+            <a:ext cx="11704320" cy="2452979"/>
           </a:xfrm>
         </p:spPr>
         <p:txBody>
@@ -51500,50 +52023,59 @@
           <a:lstStyle/>
           <a:p>
             <a:r>
+              <a:rPr lang="en-US" dirty="0" err="1"/>
+              <a:t>Não</a:t>
+            </a:r>
+            <a:r>
               <a:rPr lang="en-US" dirty="0"/>
-              <a:t>Not used to find bugs</a:t>
+              <a:t> use para </a:t>
+            </a:r>
+            <a:r>
+              <a:rPr lang="en-US" dirty="0" err="1"/>
+              <a:t>procurar</a:t>
+            </a:r>
+            <a:r>
+              <a:rPr lang="en-US" dirty="0"/>
+              <a:t> bugs</a:t>
             </a:r>
           </a:p>
           <a:p>
             <a:pPr lvl="1"/>
             <a:r>
-              <a:rPr lang="en-US" dirty="0"/>
-              <a:t>Debugging, not error handling</a:t>
+              <a:rPr lang="pt-BR" dirty="0"/>
+              <a:t>Depuração, não manipulação de erros</a:t>
             </a:r>
+            <a:endParaRPr lang="en-US" dirty="0"/>
           </a:p>
           <a:p>
             <a:r>
-              <a:rPr lang="en-US" dirty="0"/>
-              <a:t>You don't have to catch all errors</a:t>
+              <a:rPr lang="pt-BR" dirty="0"/>
+              <a:t>Você não precisa pegar todos os erros</a:t>
+            </a:r>
+            <a:endParaRPr lang="en-US" dirty="0"/>
+          </a:p>
+          <a:p>
+            <a:pPr lvl="1"/>
+            <a:r>
+              <a:rPr lang="pt-BR" dirty="0"/>
+              <a:t>Alguém mais vai lidar com isso</a:t>
             </a:r>
           </a:p>
           <a:p>
             <a:pPr lvl="1"/>
             <a:r>
-              <a:rPr lang="en-US" dirty="0"/>
-              <a:t>Let it bubble up</a:t>
+              <a:rPr lang="pt-BR" dirty="0"/>
+              <a:t>O aplicativo falhará</a:t>
             </a:r>
-          </a:p>
-          <a:p>
-            <a:pPr lvl="1"/>
-            <a:r>
-              <a:rPr lang="en-US" dirty="0"/>
-              <a:t>Someone else will deal with it</a:t>
-            </a:r>
-          </a:p>
-          <a:p>
-            <a:pPr lvl="1"/>
-            <a:r>
-              <a:rPr lang="en-US" dirty="0"/>
-              <a:t>The application will crash</a:t>
-            </a:r>
+            <a:endParaRPr lang="en-US" dirty="0"/>
           </a:p>
           <a:p>
             <a:pPr lvl="2"/>
             <a:r>
-              <a:rPr lang="en-US" dirty="0"/>
-              <a:t>Sometimes, this is exactly what you want to happen</a:t>
+              <a:rPr lang="pt-BR" dirty="0"/>
+              <a:t>Às vezes, é exatamente isso que você quer que aconteça</a:t>
             </a:r>
+            <a:endParaRPr lang="en-US" dirty="0"/>
           </a:p>
         </p:txBody>
       </p:sp>
@@ -51602,9 +52134,18 @@
           <a:lstStyle/>
           <a:p>
             <a:r>
+              <a:rPr lang="en-US" dirty="0" err="1"/>
+              <a:t>Erros</a:t>
+            </a:r>
+            <a:r>
               <a:rPr lang="en-US" dirty="0"/>
-              <a:t>Logic errors</a:t>
+              <a:t> </a:t>
             </a:r>
+            <a:r>
+              <a:rPr lang="en-US" dirty="0" err="1"/>
+              <a:t>lógicos</a:t>
+            </a:r>
+            <a:endParaRPr lang="en-US" dirty="0"/>
           </a:p>
         </p:txBody>
       </p:sp>
@@ -51642,8 +52183,25 @@
                   </a:schemeClr>
                 </a:solidFill>
               </a:rPr>
-              <a:t># This code won't run at all</a:t>
+              <a:t># </a:t>
             </a:r>
+            <a:r>
+              <a:rPr lang="pt-BR" dirty="0">
+                <a:solidFill>
+                  <a:schemeClr val="tx2">
+                    <a:lumMod val="75000"/>
+                  </a:schemeClr>
+                </a:solidFill>
+              </a:rPr>
+              <a:t>Este código não será executado</a:t>
+            </a:r>
+            <a:endParaRPr lang="en-US" dirty="0">
+              <a:solidFill>
+                <a:schemeClr val="tx2">
+                  <a:lumMod val="75000"/>
+                </a:schemeClr>
+              </a:solidFill>
+            </a:endParaRPr>
           </a:p>
           <a:p>
             <a:r>
@@ -51694,7 +52252,27 @@
                   </a:schemeClr>
                 </a:solidFill>
               </a:rPr>
-              <a:t>is greater than ' </a:t>
+              <a:t>é </a:t>
+            </a:r>
+            <a:r>
+              <a:rPr lang="en-US" dirty="0" err="1">
+                <a:solidFill>
+                  <a:schemeClr val="accent5">
+                    <a:lumMod val="75000"/>
+                  </a:schemeClr>
+                </a:solidFill>
+              </a:rPr>
+              <a:t>melhor</a:t>
+            </a:r>
+            <a:r>
+              <a:rPr lang="en-US" dirty="0">
+                <a:solidFill>
+                  <a:schemeClr val="accent5">
+                    <a:lumMod val="75000"/>
+                  </a:schemeClr>
+                </a:solidFill>
+              </a:rPr>
+              <a:t> que ' </a:t>
             </a:r>
             <a:r>
               <a:rPr lang="en-US" dirty="0"/>
@@ -53157,92 +53735,68 @@
 </file>
 
 <file path=customXml/item1.xml><?xml version="1.0" encoding="utf-8"?>
-<?mso-contentType ?>
-<FormTemplates xmlns="http://schemas.microsoft.com/sharepoint/v3/contenttype/forms">
-  <Display>DocumentLibraryForm</Display>
-  <Edit>DocumentLibraryForm</Edit>
-  <New>DocumentLibraryForm</New>
-</FormTemplates>
+<Control xmlns="http://schemas.microsoft.com/VisualStudio/2011/storyboarding/control">
+  <Id Name="fb22c541-ded0-47fa-8877-83a4c2d16227" Revision="1" Stencil="7276b9ef-3953-4dce-a89b-ed85f20b8b93" StencilVersion="1.0"/>
+</Control>
 </file>
 
 <file path=customXml/item10.xml><?xml version="1.0" encoding="utf-8"?>
 <Control xmlns="http://schemas.microsoft.com/VisualStudio/2011/storyboarding/control">
-  <Id Name="a2191c86-fc50-4add-948c-129f6b5a88d8" Revision="1" Stencil="7276b9ef-3953-4dce-a89b-ed85f20b8b93" StencilVersion="1.0"/>
+  <Id Name="d69996e1-3d61-4686-9b63-f1b855c596ab" Revision="1" Stencil="7276b9ef-3953-4dce-a89b-ed85f20b8b93" StencilVersion="1.0"/>
 </Control>
 </file>
 
 <file path=customXml/item11.xml><?xml version="1.0" encoding="utf-8"?>
 <Control xmlns="http://schemas.microsoft.com/VisualStudio/2011/storyboarding/control">
-  <Id Name="369f9055-6b6c-48b9-9320-5df2d46c430a" Revision="1" Stencil="7276b9ef-3953-4dce-a89b-ed85f20b8b93" StencilVersion="1.0"/>
+  <Id Name="d69996e1-3d61-4686-9b63-f1b855c596ab" Revision="1" Stencil="7276b9ef-3953-4dce-a89b-ed85f20b8b93" StencilVersion="1.0"/>
 </Control>
 </file>
 
 <file path=customXml/item12.xml><?xml version="1.0" encoding="utf-8"?>
 <Control xmlns="http://schemas.microsoft.com/VisualStudio/2011/storyboarding/control">
-  <Id Name="a2191c86-fc50-4add-948c-129f6b5a88d8" Revision="1" Stencil="7276b9ef-3953-4dce-a89b-ed85f20b8b93" StencilVersion="1.0"/>
+  <Id Name="fb22c541-ded0-47fa-8877-83a4c2d16227" Revision="1" Stencil="7276b9ef-3953-4dce-a89b-ed85f20b8b93" StencilVersion="1.0"/>
 </Control>
 </file>
 
 <file path=customXml/item13.xml><?xml version="1.0" encoding="utf-8"?>
 <Control xmlns="http://schemas.microsoft.com/VisualStudio/2011/storyboarding/control">
-  <Id Name="369f9055-6b6c-48b9-9320-5df2d46c430a" Revision="1" Stencil="7276b9ef-3953-4dce-a89b-ed85f20b8b93" StencilVersion="1.0"/>
+  <Id Name="d69996e1-3d61-4686-9b63-f1b855c596ab" Revision="1" Stencil="7276b9ef-3953-4dce-a89b-ed85f20b8b93" StencilVersion="1.0"/>
 </Control>
 </file>
 
 <file path=customXml/item14.xml><?xml version="1.0" encoding="utf-8"?>
 <Control xmlns="http://schemas.microsoft.com/VisualStudio/2011/storyboarding/control">
-  <Id Name="d69996e1-3d61-4686-9b63-f1b855c596ab" Revision="1" Stencil="7276b9ef-3953-4dce-a89b-ed85f20b8b93" StencilVersion="1.0"/>
+  <Id Name="fb22c541-ded0-47fa-8877-83a4c2d16227" Revision="1" Stencil="7276b9ef-3953-4dce-a89b-ed85f20b8b93" StencilVersion="1.0"/>
 </Control>
 </file>
 
 <file path=customXml/item15.xml><?xml version="1.0" encoding="utf-8"?>
-<?mso-contentType ?>
-<FormTemplates xmlns="http://schemas.microsoft.com/sharepoint/v3/contenttype/forms">
-  <Display>DocumentLibraryForm</Display>
-  <Edit>DocumentLibraryForm</Edit>
-  <New>DocumentLibraryForm</New>
-</FormTemplates>
+<Control xmlns="http://schemas.microsoft.com/VisualStudio/2011/storyboarding/control">
+  <Id Name="a53d73d2-368b-429e-b817-1324eec1382c" Revision="1" Stencil="7276b9ef-3953-4dce-a89b-ed85f20b8b93" StencilVersion="1.0"/>
+</Control>
 </file>
 
 <file path=customXml/item16.xml><?xml version="1.0" encoding="utf-8"?>
+<Control xmlns="http://schemas.microsoft.com/VisualStudio/2011/storyboarding/control">
+  <Id Name="a53d73d2-368b-429e-b817-1324eec1382c" Revision="1" Stencil="7276b9ef-3953-4dce-a89b-ed85f20b8b93" StencilVersion="1.0"/>
+</Control>
+</file>
+
+<file path=customXml/item17.xml><?xml version="1.0" encoding="utf-8"?>
 <Control xmlns="http://schemas.microsoft.com/VisualStudio/2011/storyboarding/control">
   <Id Name="fb22c541-ded0-47fa-8877-83a4c2d16227" Revision="1" Stencil="7276b9ef-3953-4dce-a89b-ed85f20b8b93" StencilVersion="1.0"/>
 </Control>
 </file>
 
-<file path=customXml/item17.xml><?xml version="1.0" encoding="utf-8"?>
+<file path=customXml/item18.xml><?xml version="1.0" encoding="utf-8"?>
 <Control xmlns="http://schemas.microsoft.com/VisualStudio/2011/storyboarding/control">
-  <Id Name="a53d73d2-368b-429e-b817-1324eec1382c" Revision="1" Stencil="7276b9ef-3953-4dce-a89b-ed85f20b8b93" StencilVersion="1.0"/>
+  <Id Name="fb22c541-ded0-47fa-8877-83a4c2d16227" Revision="1" Stencil="7276b9ef-3953-4dce-a89b-ed85f20b8b93" StencilVersion="1.0"/>
 </Control>
-</file>
-
-<file path=customXml/item18.xml><?xml version="1.0" encoding="utf-8"?>
-<p:properties xmlns:p="http://schemas.microsoft.com/office/2006/metadata/properties" xmlns:xsi="http://www.w3.org/2001/XMLSchema-instance" xmlns:pc="http://schemas.microsoft.com/office/infopath/2007/PartnerControls">
-  <documentManagement>
-    <SharedWithUsers xmlns="83cd2334-221a-48c3-9034-bfd1542dfe28">
-      <UserInfo>
-        <DisplayName>Gilad Turbahn</DisplayName>
-        <AccountId>511</AccountId>
-        <AccountType/>
-      </UserInfo>
-      <UserInfo>
-        <DisplayName>Keith Boyd</DisplayName>
-        <AccountId>993</AccountId>
-        <AccountType/>
-      </UserInfo>
-      <UserInfo>
-        <DisplayName>Christopher Harrison</DisplayName>
-        <AccountId>1176</AccountId>
-        <AccountType/>
-      </UserInfo>
-    </SharedWithUsers>
-  </documentManagement>
-</p:properties>
 </file>
 
 <file path=customXml/item19.xml><?xml version="1.0" encoding="utf-8"?>
 <Control xmlns="http://schemas.microsoft.com/VisualStudio/2011/storyboarding/control">
-  <Id Name="d69996e1-3d61-4686-9b63-f1b855c596ab" Revision="1" Stencil="7276b9ef-3953-4dce-a89b-ed85f20b8b93" StencilVersion="1.0"/>
+  <Id Name="a2191c86-fc50-4add-948c-129f6b5a88d8" Revision="1" Stencil="7276b9ef-3953-4dce-a89b-ed85f20b8b93" StencilVersion="1.0"/>
 </Control>
 </file>
 
@@ -53272,41 +53826,41 @@
 
 <file path=customXml/item20.xml><?xml version="1.0" encoding="utf-8"?>
 <Control xmlns="http://schemas.microsoft.com/VisualStudio/2011/storyboarding/control">
-  <Id Name="a53d73d2-368b-429e-b817-1324eec1382c" Revision="1" Stencil="7276b9ef-3953-4dce-a89b-ed85f20b8b93" StencilVersion="1.0"/>
+  <Id Name="a2191c86-fc50-4add-948c-129f6b5a88d8" Revision="1" Stencil="7276b9ef-3953-4dce-a89b-ed85f20b8b93" StencilVersion="1.0"/>
 </Control>
 </file>
 
 <file path=customXml/item21.xml><?xml version="1.0" encoding="utf-8"?>
 <Control xmlns="http://schemas.microsoft.com/VisualStudio/2011/storyboarding/control">
-  <Id Name="a2191c86-fc50-4add-948c-129f6b5a88d8" Revision="1" Stencil="7276b9ef-3953-4dce-a89b-ed85f20b8b93" StencilVersion="1.0"/>
+  <Id Name="a53d73d2-368b-429e-b817-1324eec1382c" Revision="1" Stencil="7276b9ef-3953-4dce-a89b-ed85f20b8b93" StencilVersion="1.0"/>
 </Control>
 </file>
 
 <file path=customXml/item22.xml><?xml version="1.0" encoding="utf-8"?>
 <Control xmlns="http://schemas.microsoft.com/VisualStudio/2011/storyboarding/control">
-  <Id Name="fb22c541-ded0-47fa-8877-83a4c2d16227" Revision="1" Stencil="7276b9ef-3953-4dce-a89b-ed85f20b8b93" StencilVersion="1.0"/>
+  <Id Name="a2191c86-fc50-4add-948c-129f6b5a88d8" Revision="1" Stencil="7276b9ef-3953-4dce-a89b-ed85f20b8b93" StencilVersion="1.0"/>
 </Control>
 </file>
 
 <file path=customXml/item23.xml><?xml version="1.0" encoding="utf-8"?>
 <Control xmlns="http://schemas.microsoft.com/VisualStudio/2011/storyboarding/control">
-  <Id Name="d69996e1-3d61-4686-9b63-f1b855c596ab" Revision="1" Stencil="7276b9ef-3953-4dce-a89b-ed85f20b8b93" StencilVersion="1.0"/>
+  <Id Name="369f9055-6b6c-48b9-9320-5df2d46c430a" Revision="1" Stencil="7276b9ef-3953-4dce-a89b-ed85f20b8b93" StencilVersion="1.0"/>
 </Control>
 </file>
 
 <file path=customXml/item24.xml><?xml version="1.0" encoding="utf-8"?>
+<Control xmlns="http://schemas.microsoft.com/VisualStudio/2011/storyboarding/control">
+  <Id Name="a53d73d2-368b-429e-b817-1324eec1382c" Revision="1" Stencil="7276b9ef-3953-4dce-a89b-ed85f20b8b93" StencilVersion="1.0"/>
+</Control>
+</file>
+
+<file path=customXml/item25.xml><?xml version="1.0" encoding="utf-8"?>
 <?mso-contentType ?>
 <FormTemplates xmlns="http://schemas.microsoft.com/sharepoint/v3/contenttype/forms">
   <Display>DocumentLibraryForm</Display>
   <Edit>DocumentLibraryForm</Edit>
   <New>DocumentLibraryForm</New>
 </FormTemplates>
-</file>
-
-<file path=customXml/item25.xml><?xml version="1.0" encoding="utf-8"?>
-<Control xmlns="http://schemas.microsoft.com/VisualStudio/2011/storyboarding/control">
-  <Id Name="a2191c86-fc50-4add-948c-129f6b5a88d8" Revision="1" Stencil="7276b9ef-3953-4dce-a89b-ed85f20b8b93" StencilVersion="1.0"/>
-</Control>
 </file>
 
 <file path=customXml/item26.xml><?xml version="1.0" encoding="utf-8"?>
@@ -53316,18 +53870,117 @@
 </file>
 
 <file path=customXml/item27.xml><?xml version="1.0" encoding="utf-8"?>
+<?mso-contentType ?>
+<FormTemplates xmlns="http://schemas.microsoft.com/sharepoint/v3/contenttype/forms">
+  <Display>DocumentLibraryForm</Display>
+  <Edit>DocumentLibraryForm</Edit>
+  <New>DocumentLibraryForm</New>
+</FormTemplates>
+</file>
+
+<file path=customXml/item28.xml><?xml version="1.0" encoding="utf-8"?>
 <Control xmlns="http://schemas.microsoft.com/VisualStudio/2011/storyboarding/control">
-  <Id Name="a53d73d2-368b-429e-b817-1324eec1382c" Revision="1" Stencil="7276b9ef-3953-4dce-a89b-ed85f20b8b93" StencilVersion="1.0"/>
+  <Id Name="d69996e1-3d61-4686-9b63-f1b855c596ab" Revision="1" Stencil="7276b9ef-3953-4dce-a89b-ed85f20b8b93" StencilVersion="1.0"/>
 </Control>
 </file>
 
-<file path=customXml/item28.xml><?xml version="1.0" encoding="utf-8"?>
+<file path=customXml/item29.xml><?xml version="1.0" encoding="utf-8"?>
 <Control xmlns="http://schemas.microsoft.com/VisualStudio/2011/storyboarding/control">
   <Id Name="a2191c86-fc50-4add-948c-129f6b5a88d8" Revision="1" Stencil="7276b9ef-3953-4dce-a89b-ed85f20b8b93" StencilVersion="1.0"/>
 </Control>
 </file>
 
-<file path=customXml/item29.xml><?xml version="1.0" encoding="utf-8"?>
+<file path=customXml/item3.xml><?xml version="1.0" encoding="utf-8"?>
+<Control xmlns="http://schemas.microsoft.com/VisualStudio/2011/storyboarding/control">
+  <Id Name="fb22c541-ded0-47fa-8877-83a4c2d16227" Revision="1" Stencil="7276b9ef-3953-4dce-a89b-ed85f20b8b93" StencilVersion="1.0"/>
+</Control>
+</file>
+
+<file path=customXml/item30.xml><?xml version="1.0" encoding="utf-8"?>
+<p:properties xmlns:p="http://schemas.microsoft.com/office/2006/metadata/properties" xmlns:xsi="http://www.w3.org/2001/XMLSchema-instance" xmlns:pc="http://schemas.microsoft.com/office/infopath/2007/PartnerControls">
+  <documentManagement>
+    <SharedWithUsers xmlns="83cd2334-221a-48c3-9034-bfd1542dfe28">
+      <UserInfo>
+        <DisplayName>Gilad Turbahn</DisplayName>
+        <AccountId>511</AccountId>
+        <AccountType/>
+      </UserInfo>
+      <UserInfo>
+        <DisplayName>Keith Boyd</DisplayName>
+        <AccountId>993</AccountId>
+        <AccountType/>
+      </UserInfo>
+      <UserInfo>
+        <DisplayName>Christopher Harrison</DisplayName>
+        <AccountId>1176</AccountId>
+        <AccountType/>
+      </UserInfo>
+    </SharedWithUsers>
+  </documentManagement>
+</p:properties>
+</file>
+
+<file path=customXml/item31.xml><?xml version="1.0" encoding="utf-8"?>
+<Control xmlns="http://schemas.microsoft.com/VisualStudio/2011/storyboarding/control">
+  <Id Name="a2191c86-fc50-4add-948c-129f6b5a88d8" Revision="1" Stencil="7276b9ef-3953-4dce-a89b-ed85f20b8b93" StencilVersion="1.0"/>
+</Control>
+</file>
+
+<file path=customXml/item32.xml><?xml version="1.0" encoding="utf-8"?>
+<Control xmlns="http://schemas.microsoft.com/VisualStudio/2011/storyboarding/control">
+  <Id Name="d69996e1-3d61-4686-9b63-f1b855c596ab" Revision="1" Stencil="7276b9ef-3953-4dce-a89b-ed85f20b8b93" StencilVersion="1.0"/>
+</Control>
+</file>
+
+<file path=customXml/item33.xml><?xml version="1.0" encoding="utf-8"?>
+<Control xmlns="http://schemas.microsoft.com/VisualStudio/2011/storyboarding/control">
+  <Id Name="369f9055-6b6c-48b9-9320-5df2d46c430a" Revision="1" Stencil="7276b9ef-3953-4dce-a89b-ed85f20b8b93" StencilVersion="1.0"/>
+</Control>
+</file>
+
+<file path=customXml/item34.xml><?xml version="1.0" encoding="utf-8"?>
+<p:properties xmlns:p="http://schemas.microsoft.com/office/2006/metadata/properties" xmlns:xsi="http://www.w3.org/2001/XMLSchema-instance" xmlns:pc="http://schemas.microsoft.com/office/infopath/2007/PartnerControls">
+  <documentManagement>
+    <SharedWithUsers xmlns="83cd2334-221a-48c3-9034-bfd1542dfe28">
+      <UserInfo>
+        <DisplayName>Gilad Turbahn</DisplayName>
+        <AccountId>511</AccountId>
+        <AccountType/>
+      </UserInfo>
+      <UserInfo>
+        <DisplayName>Keith Boyd</DisplayName>
+        <AccountId>993</AccountId>
+        <AccountType/>
+      </UserInfo>
+      <UserInfo>
+        <DisplayName>Christopher Harrison</DisplayName>
+        <AccountId>1176</AccountId>
+        <AccountType/>
+      </UserInfo>
+    </SharedWithUsers>
+  </documentManagement>
+</p:properties>
+</file>
+
+<file path=customXml/item35.xml><?xml version="1.0" encoding="utf-8"?>
+<Control xmlns="http://schemas.microsoft.com/VisualStudio/2011/storyboarding/control">
+  <Id Name="369f9055-6b6c-48b9-9320-5df2d46c430a" Revision="1" Stencil="7276b9ef-3953-4dce-a89b-ed85f20b8b93" StencilVersion="1.0"/>
+</Control>
+</file>
+
+<file path=customXml/item36.xml><?xml version="1.0" encoding="utf-8"?>
+<Control xmlns="http://schemas.microsoft.com/VisualStudio/2011/storyboarding/control">
+  <Id Name="a2191c86-fc50-4add-948c-129f6b5a88d8" Revision="1" Stencil="7276b9ef-3953-4dce-a89b-ed85f20b8b93" StencilVersion="1.0"/>
+</Control>
+</file>
+
+<file path=customXml/item37.xml><?xml version="1.0" encoding="utf-8"?>
+<Control xmlns="http://schemas.microsoft.com/VisualStudio/2011/storyboarding/control">
+  <Id Name="d69996e1-3d61-4686-9b63-f1b855c596ab" Revision="1" Stencil="7276b9ef-3953-4dce-a89b-ed85f20b8b93" StencilVersion="1.0"/>
+</Control>
+</file>
+
+<file path=customXml/item4.xml><?xml version="1.0" encoding="utf-8"?>
 <ct:contentTypeSchema xmlns:ct="http://schemas.microsoft.com/office/2006/metadata/contentType" xmlns:ma="http://schemas.microsoft.com/office/2006/metadata/properties/metaAttributes" ct:_="" ma:_="" ma:contentTypeName="Document" ma:contentTypeID="0x010100674EDBEC711BD14FBA6FF5C10FEFEAC7" ma:contentTypeVersion="2" ma:contentTypeDescription="Create a new document." ma:contentTypeScope="" ma:versionID="2439c5e21841780d4f192983b535a097">
   <xsd:schema xmlns:xsd="http://www.w3.org/2001/XMLSchema" xmlns:xs="http://www.w3.org/2001/XMLSchema" xmlns:p="http://schemas.microsoft.com/office/2006/metadata/properties" xmlns:ns2="83cd2334-221a-48c3-9034-bfd1542dfe28" targetNamespace="http://schemas.microsoft.com/office/2006/metadata/properties" ma:root="true" ma:fieldsID="2bca9163d8d0b233c3086236a9289b04" ns2:_="">
     <xsd:import namespace="83cd2334-221a-48c3-9034-bfd1542dfe28"/>
@@ -53475,84 +54128,6 @@
 </ct:contentTypeSchema>
 </file>
 
-<file path=customXml/item3.xml><?xml version="1.0" encoding="utf-8"?>
-<Control xmlns="http://schemas.microsoft.com/VisualStudio/2011/storyboarding/control">
-  <Id Name="a2191c86-fc50-4add-948c-129f6b5a88d8" Revision="1" Stencil="7276b9ef-3953-4dce-a89b-ed85f20b8b93" StencilVersion="1.0"/>
-</Control>
-</file>
-
-<file path=customXml/item30.xml><?xml version="1.0" encoding="utf-8"?>
-<Control xmlns="http://schemas.microsoft.com/VisualStudio/2011/storyboarding/control">
-  <Id Name="a53d73d2-368b-429e-b817-1324eec1382c" Revision="1" Stencil="7276b9ef-3953-4dce-a89b-ed85f20b8b93" StencilVersion="1.0"/>
-</Control>
-</file>
-
-<file path=customXml/item31.xml><?xml version="1.0" encoding="utf-8"?>
-<Control xmlns="http://schemas.microsoft.com/VisualStudio/2011/storyboarding/control">
-  <Id Name="d69996e1-3d61-4686-9b63-f1b855c596ab" Revision="1" Stencil="7276b9ef-3953-4dce-a89b-ed85f20b8b93" StencilVersion="1.0"/>
-</Control>
-</file>
-
-<file path=customXml/item32.xml><?xml version="1.0" encoding="utf-8"?>
-<Control xmlns="http://schemas.microsoft.com/VisualStudio/2011/storyboarding/control">
-  <Id Name="a53d73d2-368b-429e-b817-1324eec1382c" Revision="1" Stencil="7276b9ef-3953-4dce-a89b-ed85f20b8b93" StencilVersion="1.0"/>
-</Control>
-</file>
-
-<file path=customXml/item33.xml><?xml version="1.0" encoding="utf-8"?>
-<Control xmlns="http://schemas.microsoft.com/VisualStudio/2011/storyboarding/control">
-  <Id Name="369f9055-6b6c-48b9-9320-5df2d46c430a" Revision="1" Stencil="7276b9ef-3953-4dce-a89b-ed85f20b8b93" StencilVersion="1.0"/>
-</Control>
-</file>
-
-<file path=customXml/item34.xml><?xml version="1.0" encoding="utf-8"?>
-<Control xmlns="http://schemas.microsoft.com/VisualStudio/2011/storyboarding/control">
-  <Id Name="d69996e1-3d61-4686-9b63-f1b855c596ab" Revision="1" Stencil="7276b9ef-3953-4dce-a89b-ed85f20b8b93" StencilVersion="1.0"/>
-</Control>
-</file>
-
-<file path=customXml/item35.xml><?xml version="1.0" encoding="utf-8"?>
-<Control xmlns="http://schemas.microsoft.com/VisualStudio/2011/storyboarding/control">
-  <Id Name="fb22c541-ded0-47fa-8877-83a4c2d16227" Revision="1" Stencil="7276b9ef-3953-4dce-a89b-ed85f20b8b93" StencilVersion="1.0"/>
-</Control>
-</file>
-
-<file path=customXml/item36.xml><?xml version="1.0" encoding="utf-8"?>
-<p:properties xmlns:p="http://schemas.microsoft.com/office/2006/metadata/properties" xmlns:xsi="http://www.w3.org/2001/XMLSchema-instance" xmlns:pc="http://schemas.microsoft.com/office/infopath/2007/PartnerControls">
-  <documentManagement>
-    <SharedWithUsers xmlns="83cd2334-221a-48c3-9034-bfd1542dfe28">
-      <UserInfo>
-        <DisplayName>Gilad Turbahn</DisplayName>
-        <AccountId>511</AccountId>
-        <AccountType/>
-      </UserInfo>
-      <UserInfo>
-        <DisplayName>Keith Boyd</DisplayName>
-        <AccountId>993</AccountId>
-        <AccountType/>
-      </UserInfo>
-      <UserInfo>
-        <DisplayName>Christopher Harrison</DisplayName>
-        <AccountId>1176</AccountId>
-        <AccountType/>
-      </UserInfo>
-    </SharedWithUsers>
-  </documentManagement>
-</p:properties>
-</file>
-
-<file path=customXml/item37.xml><?xml version="1.0" encoding="utf-8"?>
-<Control xmlns="http://schemas.microsoft.com/VisualStudio/2011/storyboarding/control">
-  <Id Name="a53d73d2-368b-429e-b817-1324eec1382c" Revision="1" Stencil="7276b9ef-3953-4dce-a89b-ed85f20b8b93" StencilVersion="1.0"/>
-</Control>
-</file>
-
-<file path=customXml/item4.xml><?xml version="1.0" encoding="utf-8"?>
-<Control xmlns="http://schemas.microsoft.com/VisualStudio/2011/storyboarding/control">
-  <Id Name="d69996e1-3d61-4686-9b63-f1b855c596ab" Revision="1" Stencil="7276b9ef-3953-4dce-a89b-ed85f20b8b93" StencilVersion="1.0"/>
-</Control>
-</file>
-
 <file path=customXml/item5.xml><?xml version="1.0" encoding="utf-8"?>
 <Control xmlns="http://schemas.microsoft.com/VisualStudio/2011/storyboarding/control">
   <Id Name="369f9055-6b6c-48b9-9320-5df2d46c430a" Revision="1" Stencil="7276b9ef-3953-4dce-a89b-ed85f20b8b93" StencilVersion="1.0"/>
@@ -53560,39 +54135,42 @@
 </file>
 
 <file path=customXml/item6.xml><?xml version="1.0" encoding="utf-8"?>
+<?mso-contentType ?>
+<FormTemplates xmlns="http://schemas.microsoft.com/sharepoint/v3/contenttype/forms">
+  <Display>DocumentLibraryForm</Display>
+  <Edit>DocumentLibraryForm</Edit>
+  <New>DocumentLibraryForm</New>
+</FormTemplates>
+</file>
+
+<file path=customXml/item7.xml><?xml version="1.0" encoding="utf-8"?>
+<Control xmlns="http://schemas.microsoft.com/VisualStudio/2011/storyboarding/control">
+  <Id Name="a53d73d2-368b-429e-b817-1324eec1382c" Revision="1" Stencil="7276b9ef-3953-4dce-a89b-ed85f20b8b93" StencilVersion="1.0"/>
+</Control>
+</file>
+
+<file path=customXml/item8.xml><?xml version="1.0" encoding="utf-8"?>
+<Control xmlns="http://schemas.microsoft.com/VisualStudio/2011/storyboarding/control">
+  <Id Name="a53d73d2-368b-429e-b817-1324eec1382c" Revision="1" Stencil="7276b9ef-3953-4dce-a89b-ed85f20b8b93" StencilVersion="1.0"/>
+</Control>
+</file>
+
+<file path=customXml/item9.xml><?xml version="1.0" encoding="utf-8"?>
 <Control xmlns="http://schemas.microsoft.com/VisualStudio/2011/storyboarding/control">
   <Id Name="369f9055-6b6c-48b9-9320-5df2d46c430a" Revision="1" Stencil="7276b9ef-3953-4dce-a89b-ed85f20b8b93" StencilVersion="1.0"/>
 </Control>
 </file>
 
-<file path=customXml/item7.xml><?xml version="1.0" encoding="utf-8"?>
-<Control xmlns="http://schemas.microsoft.com/VisualStudio/2011/storyboarding/control">
-  <Id Name="fb22c541-ded0-47fa-8877-83a4c2d16227" Revision="1" Stencil="7276b9ef-3953-4dce-a89b-ed85f20b8b93" StencilVersion="1.0"/>
-</Control>
-</file>
-
-<file path=customXml/item8.xml><?xml version="1.0" encoding="utf-8"?>
-<Control xmlns="http://schemas.microsoft.com/VisualStudio/2011/storyboarding/control">
-  <Id Name="fb22c541-ded0-47fa-8877-83a4c2d16227" Revision="1" Stencil="7276b9ef-3953-4dce-a89b-ed85f20b8b93" StencilVersion="1.0"/>
-</Control>
-</file>
-
-<file path=customXml/item9.xml><?xml version="1.0" encoding="utf-8"?>
-<Control xmlns="http://schemas.microsoft.com/VisualStudio/2011/storyboarding/control">
-  <Id Name="fb22c541-ded0-47fa-8877-83a4c2d16227" Revision="1" Stencil="7276b9ef-3953-4dce-a89b-ed85f20b8b93" StencilVersion="1.0"/>
-</Control>
-</file>
-
 <file path=customXml/itemProps1.xml><?xml version="1.0" encoding="utf-8"?>
-<ds:datastoreItem xmlns:ds="http://schemas.openxmlformats.org/officeDocument/2006/customXml" ds:itemID="{7F410D51-04B0-4910-8353-17E2340F6980}">
+<ds:datastoreItem xmlns:ds="http://schemas.openxmlformats.org/officeDocument/2006/customXml" ds:itemID="{4C1B3C27-4803-4D72-A3F8-6668A3F0A24B}">
   <ds:schemaRefs>
-    <ds:schemaRef ds:uri="http://schemas.microsoft.com/sharepoint/v3/contenttype/forms"/>
+    <ds:schemaRef ds:uri="http://schemas.microsoft.com/VisualStudio/2011/storyboarding/control"/>
   </ds:schemaRefs>
 </ds:datastoreItem>
 </file>
 
 <file path=customXml/itemProps10.xml><?xml version="1.0" encoding="utf-8"?>
-<ds:datastoreItem xmlns:ds="http://schemas.openxmlformats.org/officeDocument/2006/customXml" ds:itemID="{4B16F4FE-7C26-4443-B426-81998D23ED87}">
+<ds:datastoreItem xmlns:ds="http://schemas.openxmlformats.org/officeDocument/2006/customXml" ds:itemID="{C63AC2F0-1DEB-4E91-A88A-7A014A172F4F}">
   <ds:schemaRefs>
     <ds:schemaRef ds:uri="http://schemas.microsoft.com/VisualStudio/2011/storyboarding/control"/>
   </ds:schemaRefs>
@@ -53600,7 +54178,7 @@
 </file>
 
 <file path=customXml/itemProps11.xml><?xml version="1.0" encoding="utf-8"?>
-<ds:datastoreItem xmlns:ds="http://schemas.openxmlformats.org/officeDocument/2006/customXml" ds:itemID="{82DB428A-B8F8-483F-8276-095629A8ECDB}">
+<ds:datastoreItem xmlns:ds="http://schemas.openxmlformats.org/officeDocument/2006/customXml" ds:itemID="{3DC6CABD-46E1-4C27-A0B3-616DC56F8E5C}">
   <ds:schemaRefs>
     <ds:schemaRef ds:uri="http://schemas.microsoft.com/VisualStudio/2011/storyboarding/control"/>
   </ds:schemaRefs>
@@ -53608,7 +54186,7 @@
 </file>
 
 <file path=customXml/itemProps12.xml><?xml version="1.0" encoding="utf-8"?>
-<ds:datastoreItem xmlns:ds="http://schemas.openxmlformats.org/officeDocument/2006/customXml" ds:itemID="{0B54C583-7BAB-4080-8093-C5F84F5A225A}">
+<ds:datastoreItem xmlns:ds="http://schemas.openxmlformats.org/officeDocument/2006/customXml" ds:itemID="{D6FEE829-2115-45B4-8110-670FD454542B}">
   <ds:schemaRefs>
     <ds:schemaRef ds:uri="http://schemas.microsoft.com/VisualStudio/2011/storyboarding/control"/>
   </ds:schemaRefs>
@@ -53616,7 +54194,7 @@
 </file>
 
 <file path=customXml/itemProps13.xml><?xml version="1.0" encoding="utf-8"?>
-<ds:datastoreItem xmlns:ds="http://schemas.openxmlformats.org/officeDocument/2006/customXml" ds:itemID="{38217AA1-CC95-49A9-B284-2ED4D347D7CA}">
+<ds:datastoreItem xmlns:ds="http://schemas.openxmlformats.org/officeDocument/2006/customXml" ds:itemID="{67213E6F-7B96-4222-888B-63710B06D885}">
   <ds:schemaRefs>
     <ds:schemaRef ds:uri="http://schemas.microsoft.com/VisualStudio/2011/storyboarding/control"/>
   </ds:schemaRefs>
@@ -53624,7 +54202,7 @@
 </file>
 
 <file path=customXml/itemProps14.xml><?xml version="1.0" encoding="utf-8"?>
-<ds:datastoreItem xmlns:ds="http://schemas.openxmlformats.org/officeDocument/2006/customXml" ds:itemID="{67213E6F-7B96-4222-888B-63710B06D885}">
+<ds:datastoreItem xmlns:ds="http://schemas.openxmlformats.org/officeDocument/2006/customXml" ds:itemID="{4E8278DB-3CDD-48A7-992E-A7596AD335B9}">
   <ds:schemaRefs>
     <ds:schemaRef ds:uri="http://schemas.microsoft.com/VisualStudio/2011/storyboarding/control"/>
   </ds:schemaRefs>
@@ -53632,15 +54210,15 @@
 </file>
 
 <file path=customXml/itemProps15.xml><?xml version="1.0" encoding="utf-8"?>
-<ds:datastoreItem xmlns:ds="http://schemas.openxmlformats.org/officeDocument/2006/customXml" ds:itemID="{50326EE5-754B-4E02-99C4-DDA8AB4ABBEE}">
+<ds:datastoreItem xmlns:ds="http://schemas.openxmlformats.org/officeDocument/2006/customXml" ds:itemID="{6FB9D450-4C47-4A44-8C0D-C78D8A54C46F}">
   <ds:schemaRefs>
-    <ds:schemaRef ds:uri="http://schemas.microsoft.com/sharepoint/v3/contenttype/forms"/>
+    <ds:schemaRef ds:uri="http://schemas.microsoft.com/VisualStudio/2011/storyboarding/control"/>
   </ds:schemaRefs>
 </ds:datastoreItem>
 </file>
 
 <file path=customXml/itemProps16.xml><?xml version="1.0" encoding="utf-8"?>
-<ds:datastoreItem xmlns:ds="http://schemas.openxmlformats.org/officeDocument/2006/customXml" ds:itemID="{376216F9-AF6B-4844-AE8C-B9F953F916AB}">
+<ds:datastoreItem xmlns:ds="http://schemas.openxmlformats.org/officeDocument/2006/customXml" ds:itemID="{ED350DFE-2319-4AB0-BC96-1D36D125365A}">
   <ds:schemaRefs>
     <ds:schemaRef ds:uri="http://schemas.microsoft.com/VisualStudio/2011/storyboarding/control"/>
   </ds:schemaRefs>
@@ -53648,7 +54226,7 @@
 </file>
 
 <file path=customXml/itemProps17.xml><?xml version="1.0" encoding="utf-8"?>
-<ds:datastoreItem xmlns:ds="http://schemas.openxmlformats.org/officeDocument/2006/customXml" ds:itemID="{21F6B647-976A-41D0-B760-9DF9DFC6AE3C}">
+<ds:datastoreItem xmlns:ds="http://schemas.openxmlformats.org/officeDocument/2006/customXml" ds:itemID="{B5105A87-47B6-44F6-97FD-4619C0556604}">
   <ds:schemaRefs>
     <ds:schemaRef ds:uri="http://schemas.microsoft.com/VisualStudio/2011/storyboarding/control"/>
   </ds:schemaRefs>
@@ -53656,17 +54234,15 @@
 </file>
 
 <file path=customXml/itemProps18.xml><?xml version="1.0" encoding="utf-8"?>
-<ds:datastoreItem xmlns:ds="http://schemas.openxmlformats.org/officeDocument/2006/customXml" ds:itemID="{694F6A67-5752-45D4-8A87-0CBCBD309115}">
+<ds:datastoreItem xmlns:ds="http://schemas.openxmlformats.org/officeDocument/2006/customXml" ds:itemID="{432851C6-BC05-4673-B853-6D08AB80CDC4}">
   <ds:schemaRefs>
-    <ds:schemaRef ds:uri="http://schemas.microsoft.com/office/2006/metadata/properties"/>
-    <ds:schemaRef ds:uri="http://schemas.microsoft.com/office/infopath/2007/PartnerControls"/>
-    <ds:schemaRef ds:uri="83cd2334-221a-48c3-9034-bfd1542dfe28"/>
+    <ds:schemaRef ds:uri="http://schemas.microsoft.com/VisualStudio/2011/storyboarding/control"/>
   </ds:schemaRefs>
 </ds:datastoreItem>
 </file>
 
 <file path=customXml/itemProps19.xml><?xml version="1.0" encoding="utf-8"?>
-<ds:datastoreItem xmlns:ds="http://schemas.openxmlformats.org/officeDocument/2006/customXml" ds:itemID="{C63AC2F0-1DEB-4E91-A88A-7A014A172F4F}">
+<ds:datastoreItem xmlns:ds="http://schemas.openxmlformats.org/officeDocument/2006/customXml" ds:itemID="{8257D6BC-B71E-4D95-81E4-A1D4A8174168}">
   <ds:schemaRefs>
     <ds:schemaRef ds:uri="http://schemas.microsoft.com/VisualStudio/2011/storyboarding/control"/>
   </ds:schemaRefs>
@@ -53690,6 +54266,38 @@
 </file>
 
 <file path=customXml/itemProps20.xml><?xml version="1.0" encoding="utf-8"?>
+<ds:datastoreItem xmlns:ds="http://schemas.openxmlformats.org/officeDocument/2006/customXml" ds:itemID="{0B54C583-7BAB-4080-8093-C5F84F5A225A}">
+  <ds:schemaRefs>
+    <ds:schemaRef ds:uri="http://schemas.microsoft.com/VisualStudio/2011/storyboarding/control"/>
+  </ds:schemaRefs>
+</ds:datastoreItem>
+</file>
+
+<file path=customXml/itemProps21.xml><?xml version="1.0" encoding="utf-8"?>
+<ds:datastoreItem xmlns:ds="http://schemas.openxmlformats.org/officeDocument/2006/customXml" ds:itemID="{21F6B647-976A-41D0-B760-9DF9DFC6AE3C}">
+  <ds:schemaRefs>
+    <ds:schemaRef ds:uri="http://schemas.microsoft.com/VisualStudio/2011/storyboarding/control"/>
+  </ds:schemaRefs>
+</ds:datastoreItem>
+</file>
+
+<file path=customXml/itemProps22.xml><?xml version="1.0" encoding="utf-8"?>
+<ds:datastoreItem xmlns:ds="http://schemas.openxmlformats.org/officeDocument/2006/customXml" ds:itemID="{D4B5F268-5930-44CD-BDF1-D0A04D4BBC1C}">
+  <ds:schemaRefs>
+    <ds:schemaRef ds:uri="http://schemas.microsoft.com/VisualStudio/2011/storyboarding/control"/>
+  </ds:schemaRefs>
+</ds:datastoreItem>
+</file>
+
+<file path=customXml/itemProps23.xml><?xml version="1.0" encoding="utf-8"?>
+<ds:datastoreItem xmlns:ds="http://schemas.openxmlformats.org/officeDocument/2006/customXml" ds:itemID="{08C4EE12-DF69-4FFC-9E40-C7991F3490A6}">
+  <ds:schemaRefs>
+    <ds:schemaRef ds:uri="http://schemas.microsoft.com/VisualStudio/2011/storyboarding/control"/>
+  </ds:schemaRefs>
+</ds:datastoreItem>
+</file>
+
+<file path=customXml/itemProps24.xml><?xml version="1.0" encoding="utf-8"?>
 <ds:datastoreItem xmlns:ds="http://schemas.openxmlformats.org/officeDocument/2006/customXml" ds:itemID="{F68D8396-E21C-4AFF-8FDD-70D00673D0EE}">
   <ds:schemaRefs>
     <ds:schemaRef ds:uri="http://schemas.microsoft.com/VisualStudio/2011/storyboarding/control"/>
@@ -53697,7 +54305,107 @@
 </ds:datastoreItem>
 </file>
 
-<file path=customXml/itemProps21.xml><?xml version="1.0" encoding="utf-8"?>
+<file path=customXml/itemProps25.xml><?xml version="1.0" encoding="utf-8"?>
+<ds:datastoreItem xmlns:ds="http://schemas.openxmlformats.org/officeDocument/2006/customXml" ds:itemID="{7F410D51-04B0-4910-8353-17E2340F6980}">
+  <ds:schemaRefs>
+    <ds:schemaRef ds:uri="http://schemas.microsoft.com/sharepoint/v3/contenttype/forms"/>
+  </ds:schemaRefs>
+</ds:datastoreItem>
+</file>
+
+<file path=customXml/itemProps26.xml><?xml version="1.0" encoding="utf-8"?>
+<ds:datastoreItem xmlns:ds="http://schemas.openxmlformats.org/officeDocument/2006/customXml" ds:itemID="{FE651ABA-5DC1-4ABD-A06E-055AE54B337B}">
+  <ds:schemaRefs>
+    <ds:schemaRef ds:uri="http://schemas.microsoft.com/VisualStudio/2011/storyboarding/control"/>
+  </ds:schemaRefs>
+</ds:datastoreItem>
+</file>
+
+<file path=customXml/itemProps27.xml><?xml version="1.0" encoding="utf-8"?>
+<ds:datastoreItem xmlns:ds="http://schemas.openxmlformats.org/officeDocument/2006/customXml" ds:itemID="{50326EE5-754B-4E02-99C4-DDA8AB4ABBEE}">
+  <ds:schemaRefs>
+    <ds:schemaRef ds:uri="http://schemas.microsoft.com/sharepoint/v3/contenttype/forms"/>
+  </ds:schemaRefs>
+</ds:datastoreItem>
+</file>
+
+<file path=customXml/itemProps28.xml><?xml version="1.0" encoding="utf-8"?>
+<ds:datastoreItem xmlns:ds="http://schemas.openxmlformats.org/officeDocument/2006/customXml" ds:itemID="{C0F92A87-A216-45A9-B9C0-0515663D35BF}">
+  <ds:schemaRefs>
+    <ds:schemaRef ds:uri="http://schemas.microsoft.com/VisualStudio/2011/storyboarding/control"/>
+  </ds:schemaRefs>
+</ds:datastoreItem>
+</file>
+
+<file path=customXml/itemProps29.xml><?xml version="1.0" encoding="utf-8"?>
+<ds:datastoreItem xmlns:ds="http://schemas.openxmlformats.org/officeDocument/2006/customXml" ds:itemID="{8BD595CA-AC5E-43B9-B966-E468A16E8322}">
+  <ds:schemaRefs>
+    <ds:schemaRef ds:uri="http://schemas.microsoft.com/VisualStudio/2011/storyboarding/control"/>
+  </ds:schemaRefs>
+</ds:datastoreItem>
+</file>
+
+<file path=customXml/itemProps3.xml><?xml version="1.0" encoding="utf-8"?>
+<ds:datastoreItem xmlns:ds="http://schemas.openxmlformats.org/officeDocument/2006/customXml" ds:itemID="{376216F9-AF6B-4844-AE8C-B9F953F916AB}">
+  <ds:schemaRefs>
+    <ds:schemaRef ds:uri="http://schemas.microsoft.com/VisualStudio/2011/storyboarding/control"/>
+  </ds:schemaRefs>
+</ds:datastoreItem>
+</file>
+
+<file path=customXml/itemProps30.xml><?xml version="1.0" encoding="utf-8"?>
+<ds:datastoreItem xmlns:ds="http://schemas.openxmlformats.org/officeDocument/2006/customXml" ds:itemID="{29A419E7-5506-4231-819E-32B0D2087F4E}">
+  <ds:schemaRefs>
+    <ds:schemaRef ds:uri="http://schemas.microsoft.com/office/2006/metadata/properties"/>
+    <ds:schemaRef ds:uri="http://schemas.microsoft.com/office/infopath/2007/PartnerControls"/>
+    <ds:schemaRef ds:uri="83cd2334-221a-48c3-9034-bfd1542dfe28"/>
+  </ds:schemaRefs>
+</ds:datastoreItem>
+</file>
+
+<file path=customXml/itemProps31.xml><?xml version="1.0" encoding="utf-8"?>
+<ds:datastoreItem xmlns:ds="http://schemas.openxmlformats.org/officeDocument/2006/customXml" ds:itemID="{4B16F4FE-7C26-4443-B426-81998D23ED87}">
+  <ds:schemaRefs>
+    <ds:schemaRef ds:uri="http://schemas.microsoft.com/VisualStudio/2011/storyboarding/control"/>
+  </ds:schemaRefs>
+</ds:datastoreItem>
+</file>
+
+<file path=customXml/itemProps32.xml><?xml version="1.0" encoding="utf-8"?>
+<ds:datastoreItem xmlns:ds="http://schemas.openxmlformats.org/officeDocument/2006/customXml" ds:itemID="{0282FB20-2D4C-459D-8468-77D1D3C6925D}">
+  <ds:schemaRefs>
+    <ds:schemaRef ds:uri="http://schemas.microsoft.com/VisualStudio/2011/storyboarding/control"/>
+  </ds:schemaRefs>
+</ds:datastoreItem>
+</file>
+
+<file path=customXml/itemProps33.xml><?xml version="1.0" encoding="utf-8"?>
+<ds:datastoreItem xmlns:ds="http://schemas.openxmlformats.org/officeDocument/2006/customXml" ds:itemID="{38217AA1-CC95-49A9-B284-2ED4D347D7CA}">
+  <ds:schemaRefs>
+    <ds:schemaRef ds:uri="http://schemas.microsoft.com/VisualStudio/2011/storyboarding/control"/>
+  </ds:schemaRefs>
+</ds:datastoreItem>
+</file>
+
+<file path=customXml/itemProps34.xml><?xml version="1.0" encoding="utf-8"?>
+<ds:datastoreItem xmlns:ds="http://schemas.openxmlformats.org/officeDocument/2006/customXml" ds:itemID="{694F6A67-5752-45D4-8A87-0CBCBD309115}">
+  <ds:schemaRefs>
+    <ds:schemaRef ds:uri="http://schemas.microsoft.com/office/2006/metadata/properties"/>
+    <ds:schemaRef ds:uri="http://schemas.microsoft.com/office/infopath/2007/PartnerControls"/>
+    <ds:schemaRef ds:uri="83cd2334-221a-48c3-9034-bfd1542dfe28"/>
+  </ds:schemaRefs>
+</ds:datastoreItem>
+</file>
+
+<file path=customXml/itemProps35.xml><?xml version="1.0" encoding="utf-8"?>
+<ds:datastoreItem xmlns:ds="http://schemas.openxmlformats.org/officeDocument/2006/customXml" ds:itemID="{42D603BF-B513-4201-A599-21BA0F4FFC40}">
+  <ds:schemaRefs>
+    <ds:schemaRef ds:uri="http://schemas.microsoft.com/VisualStudio/2011/storyboarding/control"/>
+  </ds:schemaRefs>
+</ds:datastoreItem>
+</file>
+
+<file path=customXml/itemProps36.xml><?xml version="1.0" encoding="utf-8"?>
 <ds:datastoreItem xmlns:ds="http://schemas.openxmlformats.org/officeDocument/2006/customXml" ds:itemID="{3C954CC5-1CAC-4EC3-9791-8630483065B9}">
   <ds:schemaRefs>
     <ds:schemaRef ds:uri="http://schemas.microsoft.com/VisualStudio/2011/storyboarding/control"/>
@@ -53705,63 +54413,15 @@
 </ds:datastoreItem>
 </file>
 
-<file path=customXml/itemProps22.xml><?xml version="1.0" encoding="utf-8"?>
-<ds:datastoreItem xmlns:ds="http://schemas.openxmlformats.org/officeDocument/2006/customXml" ds:itemID="{4E8278DB-3CDD-48A7-992E-A7596AD335B9}">
+<file path=customXml/itemProps37.xml><?xml version="1.0" encoding="utf-8"?>
+<ds:datastoreItem xmlns:ds="http://schemas.openxmlformats.org/officeDocument/2006/customXml" ds:itemID="{366CA990-F93D-4100-9654-65D9E30F4E1C}">
   <ds:schemaRefs>
     <ds:schemaRef ds:uri="http://schemas.microsoft.com/VisualStudio/2011/storyboarding/control"/>
   </ds:schemaRefs>
 </ds:datastoreItem>
 </file>
 
-<file path=customXml/itemProps23.xml><?xml version="1.0" encoding="utf-8"?>
-<ds:datastoreItem xmlns:ds="http://schemas.openxmlformats.org/officeDocument/2006/customXml" ds:itemID="{C0F92A87-A216-45A9-B9C0-0515663D35BF}">
-  <ds:schemaRefs>
-    <ds:schemaRef ds:uri="http://schemas.microsoft.com/VisualStudio/2011/storyboarding/control"/>
-  </ds:schemaRefs>
-</ds:datastoreItem>
-</file>
-
-<file path=customXml/itemProps24.xml><?xml version="1.0" encoding="utf-8"?>
-<ds:datastoreItem xmlns:ds="http://schemas.openxmlformats.org/officeDocument/2006/customXml" ds:itemID="{758FDAC0-319D-4A54-8D8E-1D42CB1F8004}">
-  <ds:schemaRefs>
-    <ds:schemaRef ds:uri="http://schemas.microsoft.com/sharepoint/v3/contenttype/forms"/>
-  </ds:schemaRefs>
-</ds:datastoreItem>
-</file>
-
-<file path=customXml/itemProps25.xml><?xml version="1.0" encoding="utf-8"?>
-<ds:datastoreItem xmlns:ds="http://schemas.openxmlformats.org/officeDocument/2006/customXml" ds:itemID="{D4B5F268-5930-44CD-BDF1-D0A04D4BBC1C}">
-  <ds:schemaRefs>
-    <ds:schemaRef ds:uri="http://schemas.microsoft.com/VisualStudio/2011/storyboarding/control"/>
-  </ds:schemaRefs>
-</ds:datastoreItem>
-</file>
-
-<file path=customXml/itemProps26.xml><?xml version="1.0" encoding="utf-8"?>
-<ds:datastoreItem xmlns:ds="http://schemas.openxmlformats.org/officeDocument/2006/customXml" ds:itemID="{42D603BF-B513-4201-A599-21BA0F4FFC40}">
-  <ds:schemaRefs>
-    <ds:schemaRef ds:uri="http://schemas.microsoft.com/VisualStudio/2011/storyboarding/control"/>
-  </ds:schemaRefs>
-</ds:datastoreItem>
-</file>
-
-<file path=customXml/itemProps27.xml><?xml version="1.0" encoding="utf-8"?>
-<ds:datastoreItem xmlns:ds="http://schemas.openxmlformats.org/officeDocument/2006/customXml" ds:itemID="{6FB9D450-4C47-4A44-8C0D-C78D8A54C46F}">
-  <ds:schemaRefs>
-    <ds:schemaRef ds:uri="http://schemas.microsoft.com/VisualStudio/2011/storyboarding/control"/>
-  </ds:schemaRefs>
-</ds:datastoreItem>
-</file>
-
-<file path=customXml/itemProps28.xml><?xml version="1.0" encoding="utf-8"?>
-<ds:datastoreItem xmlns:ds="http://schemas.openxmlformats.org/officeDocument/2006/customXml" ds:itemID="{8BD595CA-AC5E-43B9-B966-E468A16E8322}">
-  <ds:schemaRefs>
-    <ds:schemaRef ds:uri="http://schemas.microsoft.com/VisualStudio/2011/storyboarding/control"/>
-  </ds:schemaRefs>
-</ds:datastoreItem>
-</file>
-
-<file path=customXml/itemProps29.xml><?xml version="1.0" encoding="utf-8"?>
+<file path=customXml/itemProps4.xml><?xml version="1.0" encoding="utf-8"?>
 <ds:datastoreItem xmlns:ds="http://schemas.openxmlformats.org/officeDocument/2006/customXml" ds:itemID="{11F98F69-7518-4AE2-AE7B-E037DC9DDC97}">
   <ds:schemaRefs>
     <ds:schemaRef ds:uri="http://schemas.microsoft.com/office/2006/metadata/contentType"/>
@@ -53779,31 +54439,23 @@
 </ds:datastoreItem>
 </file>
 
-<file path=customXml/itemProps3.xml><?xml version="1.0" encoding="utf-8"?>
-<ds:datastoreItem xmlns:ds="http://schemas.openxmlformats.org/officeDocument/2006/customXml" ds:itemID="{8257D6BC-B71E-4D95-81E4-A1D4A8174168}">
+<file path=customXml/itemProps5.xml><?xml version="1.0" encoding="utf-8"?>
+<ds:datastoreItem xmlns:ds="http://schemas.openxmlformats.org/officeDocument/2006/customXml" ds:itemID="{82DB428A-B8F8-483F-8276-095629A8ECDB}">
   <ds:schemaRefs>
     <ds:schemaRef ds:uri="http://schemas.microsoft.com/VisualStudio/2011/storyboarding/control"/>
   </ds:schemaRefs>
 </ds:datastoreItem>
 </file>
 
-<file path=customXml/itemProps30.xml><?xml version="1.0" encoding="utf-8"?>
-<ds:datastoreItem xmlns:ds="http://schemas.openxmlformats.org/officeDocument/2006/customXml" ds:itemID="{ED350DFE-2319-4AB0-BC96-1D36D125365A}">
+<file path=customXml/itemProps6.xml><?xml version="1.0" encoding="utf-8"?>
+<ds:datastoreItem xmlns:ds="http://schemas.openxmlformats.org/officeDocument/2006/customXml" ds:itemID="{758FDAC0-319D-4A54-8D8E-1D42CB1F8004}">
   <ds:schemaRefs>
-    <ds:schemaRef ds:uri="http://schemas.microsoft.com/VisualStudio/2011/storyboarding/control"/>
+    <ds:schemaRef ds:uri="http://schemas.microsoft.com/sharepoint/v3/contenttype/forms"/>
   </ds:schemaRefs>
 </ds:datastoreItem>
 </file>
 
-<file path=customXml/itemProps31.xml><?xml version="1.0" encoding="utf-8"?>
-<ds:datastoreItem xmlns:ds="http://schemas.openxmlformats.org/officeDocument/2006/customXml" ds:itemID="{0282FB20-2D4C-459D-8468-77D1D3C6925D}">
-  <ds:schemaRefs>
-    <ds:schemaRef ds:uri="http://schemas.microsoft.com/VisualStudio/2011/storyboarding/control"/>
-  </ds:schemaRefs>
-</ds:datastoreItem>
-</file>
-
-<file path=customXml/itemProps32.xml><?xml version="1.0" encoding="utf-8"?>
+<file path=customXml/itemProps7.xml><?xml version="1.0" encoding="utf-8"?>
 <ds:datastoreItem xmlns:ds="http://schemas.openxmlformats.org/officeDocument/2006/customXml" ds:itemID="{4E805D65-1532-4BB0-8F41-8013167C0009}">
   <ds:schemaRefs>
     <ds:schemaRef ds:uri="http://schemas.microsoft.com/VisualStudio/2011/storyboarding/control"/>
@@ -53811,41 +54463,7 @@
 </ds:datastoreItem>
 </file>
 
-<file path=customXml/itemProps33.xml><?xml version="1.0" encoding="utf-8"?>
-<ds:datastoreItem xmlns:ds="http://schemas.openxmlformats.org/officeDocument/2006/customXml" ds:itemID="{08C4EE12-DF69-4FFC-9E40-C7991F3490A6}">
-  <ds:schemaRefs>
-    <ds:schemaRef ds:uri="http://schemas.microsoft.com/VisualStudio/2011/storyboarding/control"/>
-  </ds:schemaRefs>
-</ds:datastoreItem>
-</file>
-
-<file path=customXml/itemProps34.xml><?xml version="1.0" encoding="utf-8"?>
-<ds:datastoreItem xmlns:ds="http://schemas.openxmlformats.org/officeDocument/2006/customXml" ds:itemID="{366CA990-F93D-4100-9654-65D9E30F4E1C}">
-  <ds:schemaRefs>
-    <ds:schemaRef ds:uri="http://schemas.microsoft.com/VisualStudio/2011/storyboarding/control"/>
-  </ds:schemaRefs>
-</ds:datastoreItem>
-</file>
-
-<file path=customXml/itemProps35.xml><?xml version="1.0" encoding="utf-8"?>
-<ds:datastoreItem xmlns:ds="http://schemas.openxmlformats.org/officeDocument/2006/customXml" ds:itemID="{B5105A87-47B6-44F6-97FD-4619C0556604}">
-  <ds:schemaRefs>
-    <ds:schemaRef ds:uri="http://schemas.microsoft.com/VisualStudio/2011/storyboarding/control"/>
-  </ds:schemaRefs>
-</ds:datastoreItem>
-</file>
-
-<file path=customXml/itemProps36.xml><?xml version="1.0" encoding="utf-8"?>
-<ds:datastoreItem xmlns:ds="http://schemas.openxmlformats.org/officeDocument/2006/customXml" ds:itemID="{29A419E7-5506-4231-819E-32B0D2087F4E}">
-  <ds:schemaRefs>
-    <ds:schemaRef ds:uri="http://schemas.microsoft.com/office/2006/metadata/properties"/>
-    <ds:schemaRef ds:uri="http://schemas.microsoft.com/office/infopath/2007/PartnerControls"/>
-    <ds:schemaRef ds:uri="83cd2334-221a-48c3-9034-bfd1542dfe28"/>
-  </ds:schemaRefs>
-</ds:datastoreItem>
-</file>
-
-<file path=customXml/itemProps37.xml><?xml version="1.0" encoding="utf-8"?>
+<file path=customXml/itemProps8.xml><?xml version="1.0" encoding="utf-8"?>
 <ds:datastoreItem xmlns:ds="http://schemas.openxmlformats.org/officeDocument/2006/customXml" ds:itemID="{8893E80D-6D0C-4E0F-AA22-E5615BB87E5B}">
   <ds:schemaRefs>
     <ds:schemaRef ds:uri="http://schemas.microsoft.com/VisualStudio/2011/storyboarding/control"/>
@@ -53853,50 +54471,10 @@
 </ds:datastoreItem>
 </file>
 
-<file path=customXml/itemProps4.xml><?xml version="1.0" encoding="utf-8"?>
-<ds:datastoreItem xmlns:ds="http://schemas.openxmlformats.org/officeDocument/2006/customXml" ds:itemID="{3DC6CABD-46E1-4C27-A0B3-616DC56F8E5C}">
-  <ds:schemaRefs>
-    <ds:schemaRef ds:uri="http://schemas.microsoft.com/VisualStudio/2011/storyboarding/control"/>
-  </ds:schemaRefs>
-</ds:datastoreItem>
-</file>
-
-<file path=customXml/itemProps5.xml><?xml version="1.0" encoding="utf-8"?>
+<file path=customXml/itemProps9.xml><?xml version="1.0" encoding="utf-8"?>
 <ds:datastoreItem xmlns:ds="http://schemas.openxmlformats.org/officeDocument/2006/customXml" ds:itemID="{7959CC6A-F423-4783-B968-3BCC86A7394E}">
   <ds:schemaRefs>
     <ds:schemaRef ds:uri="http://schemas.microsoft.com/VisualStudio/2011/storyboarding/control"/>
   </ds:schemaRefs>
 </ds:datastoreItem>
-</file>
-
-<file path=customXml/itemProps6.xml><?xml version="1.0" encoding="utf-8"?>
-<ds:datastoreItem xmlns:ds="http://schemas.openxmlformats.org/officeDocument/2006/customXml" ds:itemID="{FE651ABA-5DC1-4ABD-A06E-055AE54B337B}">
-  <ds:schemaRefs>
-    <ds:schemaRef ds:uri="http://schemas.microsoft.com/VisualStudio/2011/storyboarding/control"/>
-  </ds:schemaRefs>
-</ds:datastoreItem>
-</file>
-
-<file path=customXml/itemProps7.xml><?xml version="1.0" encoding="utf-8"?>
-<ds:datastoreItem xmlns:ds="http://schemas.openxmlformats.org/officeDocument/2006/customXml" ds:itemID="{4C1B3C27-4803-4D72-A3F8-6668A3F0A24B}">
-  <ds:schemaRefs>
-    <ds:schemaRef ds:uri="http://schemas.microsoft.com/VisualStudio/2011/storyboarding/control"/>
-  </ds:schemaRefs>
-</ds:datastoreItem>
-</file>
-
-<file path=customXml/itemProps8.xml><?xml version="1.0" encoding="utf-8"?>
-<ds:datastoreItem xmlns:ds="http://schemas.openxmlformats.org/officeDocument/2006/customXml" ds:itemID="{432851C6-BC05-4673-B853-6D08AB80CDC4}">
-  <ds:schemaRefs>
-    <ds:schemaRef ds:uri="http://schemas.microsoft.com/VisualStudio/2011/storyboarding/control"/>
-  </ds:schemaRefs>
-</ds:datastoreItem>
-</file>
-
-<file path=customXml/itemProps9.xml><?xml version="1.0" encoding="utf-8"?>
-<ds:datastoreItem xmlns:ds="http://schemas.openxmlformats.org/officeDocument/2006/customXml" ds:itemID="{D6FEE829-2115-45B4-8110-670FD454542B}">
-  <ds:schemaRefs>
-    <ds:schemaRef ds:uri="http://schemas.microsoft.com/VisualStudio/2011/storyboarding/control"/>
-  </ds:schemaRefs>
-</ds:datastoreItem>
 </file>